--- a/files/os/3_Bolum_3_Bellek.pptx
+++ b/files/os/3_Bolum_3_Bellek.pptx
@@ -5988,14 +5988,10 @@
             </a:r>
             <a:r>
               <a:rPr lang="tr-TR" dirty="0"/>
-              <a:t>sayfaları sayfa </a:t>
-            </a:r>
-            <a:r>
-              <a:rPr lang="tr-TR"/>
-              <a:t>çerçevelerine </a:t>
-            </a:r>
-            <a:r>
-              <a:rPr lang="tr-TR" smtClean="0"/>
+              <a:t>sayfaları sayfa çerçevelerine </a:t>
+            </a:r>
+            <a:r>
+              <a:rPr lang="tr-TR" dirty="0" smtClean="0"/>
               <a:t>eşleme</a:t>
             </a:r>
             <a:endParaRPr lang="tr-TR" dirty="0"/>
@@ -6056,31 +6052,68 @@
           <a:p>
             <a:r>
               <a:rPr lang="tr-TR" dirty="0" smtClean="0"/>
-              <a:t>Sanal Bellek - Sayfalama</a:t>
-            </a:r>
-            <a:endParaRPr lang="tr-TR" dirty="0"/>
-          </a:p>
-        </p:txBody>
-      </p:sp>
-      <p:sp>
-        <p:nvSpPr>
-          <p:cNvPr id="3" name="Content Placeholder 2"/>
-          <p:cNvSpPr>
-            <a:spLocks noGrp="1"/>
-          </p:cNvSpPr>
+              <a:t>Sayfa Tablosu Elemanı Yapısı</a:t>
+            </a:r>
+            <a:endParaRPr lang="tr-TR" dirty="0"/>
+          </a:p>
+        </p:txBody>
+      </p:sp>
+      <p:pic>
+        <p:nvPicPr>
+          <p:cNvPr id="4" name="Picture 6" descr="03-11"/>
+          <p:cNvPicPr>
+            <a:picLocks noGrp="1" noChangeAspect="1" noChangeArrowheads="1"/>
+          </p:cNvPicPr>
           <p:nvPr>
             <p:ph idx="1"/>
           </p:nvPr>
-        </p:nvSpPr>
-        <p:spPr/>
-        <p:txBody>
-          <a:bodyPr/>
-          <a:lstStyle/>
-          <a:p>
-            <a:endParaRPr lang="tr-TR" dirty="0"/>
-          </a:p>
-        </p:txBody>
-      </p:sp>
+        </p:nvPicPr>
+        <p:blipFill>
+          <a:blip r:embed="rId2">
+            <a:extLst>
+              <a:ext uri="{28A0092B-C50C-407E-A947-70E740481C1C}">
+                <a14:useLocalDpi xmlns:a14="http://schemas.microsoft.com/office/drawing/2010/main" val="0"/>
+              </a:ext>
+            </a:extLst>
+          </a:blip>
+          <a:srcRect/>
+          <a:stretch>
+            <a:fillRect/>
+          </a:stretch>
+        </p:blipFill>
+        <p:spPr bwMode="auto">
+          <a:xfrm>
+            <a:off x="1222465" y="2467607"/>
+            <a:ext cx="9747069" cy="2620879"/>
+          </a:xfrm>
+          <a:prstGeom prst="rect">
+            <a:avLst/>
+          </a:prstGeom>
+          <a:noFill/>
+          <a:ln>
+            <a:noFill/>
+          </a:ln>
+          <a:extLst>
+            <a:ext uri="{909E8E84-426E-40DD-AFC4-6F175D3DCCD1}">
+              <a14:hiddenFill xmlns:a14="http://schemas.microsoft.com/office/drawing/2010/main">
+                <a:solidFill>
+                  <a:srgbClr val="FFFFFF"/>
+                </a:solidFill>
+              </a14:hiddenFill>
+            </a:ext>
+            <a:ext uri="{91240B29-F687-4F45-9708-019B960494DF}">
+              <a14:hiddenLine xmlns:a14="http://schemas.microsoft.com/office/drawing/2010/main" w="9525">
+                <a:solidFill>
+                  <a:srgbClr val="000000"/>
+                </a:solidFill>
+                <a:miter lim="800000"/>
+                <a:headEnd/>
+                <a:tailEnd/>
+              </a14:hiddenLine>
+            </a:ext>
+          </a:extLst>
+        </p:spPr>
+      </p:pic>
     </p:spTree>
     <p:extLst>
       <p:ext uri="{BB962C8B-B14F-4D97-AF65-F5344CB8AC3E}">
@@ -6135,7 +6168,15 @@
           <a:p>
             <a:r>
               <a:rPr lang="tr-TR" dirty="0" smtClean="0"/>
-              <a:t>Sanal Bellek - Sayfalama</a:t>
+              <a:t>Sayfa </a:t>
+            </a:r>
+            <a:r>
+              <a:rPr lang="tr-TR" dirty="0"/>
+              <a:t>T</a:t>
+            </a:r>
+            <a:r>
+              <a:rPr lang="tr-TR" dirty="0" smtClean="0"/>
+              <a:t>ablosu Yapısı</a:t>
             </a:r>
             <a:endParaRPr lang="tr-TR" dirty="0"/>
           </a:p>
@@ -6156,7 +6197,92 @@
           <a:bodyPr/>
           <a:lstStyle/>
           <a:p>
-            <a:endParaRPr lang="tr-TR" dirty="0"/>
+            <a:r>
+              <a:rPr lang="tr-TR" dirty="0" smtClean="0"/>
+              <a:t>Koruma</a:t>
+            </a:r>
+          </a:p>
+          <a:p>
+            <a:pPr lvl="1"/>
+            <a:r>
+              <a:rPr lang="tr-TR" dirty="0" smtClean="0"/>
+              <a:t>Ne </a:t>
+            </a:r>
+            <a:r>
+              <a:rPr lang="tr-TR" dirty="0"/>
+              <a:t>tür erişimlere izin verilir</a:t>
+            </a:r>
+            <a:r>
+              <a:rPr lang="tr-TR" dirty="0" smtClean="0"/>
+              <a:t>?</a:t>
+            </a:r>
+          </a:p>
+          <a:p>
+            <a:r>
+              <a:rPr lang="tr-TR" dirty="0" smtClean="0"/>
+              <a:t>Değiştirilmiş:</a:t>
+            </a:r>
+          </a:p>
+          <a:p>
+            <a:pPr lvl="1"/>
+            <a:r>
+              <a:rPr lang="tr-TR" dirty="0" smtClean="0"/>
+              <a:t>Bir </a:t>
+            </a:r>
+            <a:r>
+              <a:rPr lang="tr-TR" dirty="0"/>
+              <a:t>sayfa yazıldığında (kirli</a:t>
+            </a:r>
+            <a:r>
+              <a:rPr lang="tr-TR" dirty="0" smtClean="0"/>
+              <a:t>)</a:t>
+            </a:r>
+          </a:p>
+          <a:p>
+            <a:r>
+              <a:rPr lang="tr-TR" dirty="0" smtClean="0"/>
+              <a:t>Erişilen:</a:t>
+            </a:r>
+          </a:p>
+          <a:p>
+            <a:pPr lvl="1"/>
+            <a:r>
+              <a:rPr lang="tr-TR" dirty="0" smtClean="0"/>
+              <a:t>Bir </a:t>
+            </a:r>
+            <a:r>
+              <a:rPr lang="tr-TR" dirty="0"/>
+              <a:t>sayfa referans </a:t>
+            </a:r>
+            <a:r>
+              <a:rPr lang="tr-TR" dirty="0" smtClean="0"/>
+              <a:t>alındığında</a:t>
+            </a:r>
+          </a:p>
+          <a:p>
+            <a:r>
+              <a:rPr lang="tr-TR" dirty="0" smtClean="0"/>
+              <a:t>Önbellek </a:t>
+            </a:r>
+            <a:r>
+              <a:rPr lang="tr-TR" dirty="0"/>
+              <a:t>devre dışı </a:t>
+            </a:r>
+            <a:r>
+              <a:rPr lang="tr-TR" dirty="0" smtClean="0"/>
+              <a:t>bırakma</a:t>
+            </a:r>
+          </a:p>
+          <a:p>
+            <a:pPr lvl="1"/>
+            <a:r>
+              <a:rPr lang="tr-TR" dirty="0" smtClean="0"/>
+              <a:t>Veri </a:t>
+            </a:r>
+            <a:r>
+              <a:rPr lang="tr-TR" dirty="0"/>
+              <a:t>tutarsızlığı</a:t>
+            </a:r>
           </a:p>
         </p:txBody>
       </p:sp>
@@ -6213,8 +6339,12 @@
           <a:lstStyle/>
           <a:p>
             <a:r>
-              <a:rPr lang="tr-TR" dirty="0" smtClean="0"/>
-              <a:t>Sanal Bellek - Sayfalama</a:t>
+              <a:rPr lang="tr-TR" dirty="0"/>
+              <a:t>Sayfalama </a:t>
+            </a:r>
+            <a:r>
+              <a:rPr lang="tr-TR" dirty="0" smtClean="0"/>
+              <a:t>Uygulama Sorunları</a:t>
             </a:r>
             <a:endParaRPr lang="tr-TR" dirty="0"/>
           </a:p>
@@ -6235,7 +6365,38 @@
           <a:bodyPr/>
           <a:lstStyle/>
           <a:p>
-            <a:endParaRPr lang="tr-TR" dirty="0"/>
+            <a:r>
+              <a:rPr lang="tr-TR" dirty="0"/>
+              <a:t>Sanal adresten fiziksel adrese eşleme hızlı olmalıdır</a:t>
+            </a:r>
+            <a:r>
+              <a:rPr lang="tr-TR" dirty="0" smtClean="0"/>
+              <a:t>.</a:t>
+            </a:r>
+          </a:p>
+          <a:p>
+            <a:r>
+              <a:rPr lang="tr-TR" dirty="0" smtClean="0"/>
+              <a:t>Sanal </a:t>
+            </a:r>
+            <a:r>
+              <a:rPr lang="tr-TR" dirty="0"/>
+              <a:t>adres alanı büyükse, sayfa tablosu da büyük olacaktır. (32bit/64bit</a:t>
+            </a:r>
+            <a:r>
+              <a:rPr lang="tr-TR" dirty="0" smtClean="0"/>
+              <a:t>)</a:t>
+            </a:r>
+          </a:p>
+          <a:p>
+            <a:r>
+              <a:rPr lang="tr-TR" dirty="0" smtClean="0"/>
+              <a:t>Her sürecin bellekte </a:t>
+            </a:r>
+            <a:r>
+              <a:rPr lang="tr-TR" dirty="0"/>
+              <a:t>kendi sayfa tablosu olmalıdır.</a:t>
+            </a:r>
           </a:p>
         </p:txBody>
       </p:sp>
@@ -6292,8 +6453,8 @@
           <a:lstStyle/>
           <a:p>
             <a:r>
-              <a:rPr lang="tr-TR" dirty="0" smtClean="0"/>
-              <a:t>Sanal Bellek - Sayfalama</a:t>
+              <a:rPr lang="tr-TR" smtClean="0"/>
+              <a:t>Sayfalamayı Hızlandırma</a:t>
             </a:r>
             <a:endParaRPr lang="tr-TR" dirty="0"/>
           </a:p>

--- a/files/os/3_Bolum_3_Bellek.pptx
+++ b/files/os/3_Bolum_3_Bellek.pptx
@@ -33,32 +33,34 @@
     <p:sldId id="336" r:id="rId27"/>
     <p:sldId id="337" r:id="rId28"/>
     <p:sldId id="338" r:id="rId29"/>
-    <p:sldId id="339" r:id="rId30"/>
-    <p:sldId id="340" r:id="rId31"/>
-    <p:sldId id="341" r:id="rId32"/>
-    <p:sldId id="342" r:id="rId33"/>
-    <p:sldId id="343" r:id="rId34"/>
-    <p:sldId id="344" r:id="rId35"/>
-    <p:sldId id="345" r:id="rId36"/>
-    <p:sldId id="346" r:id="rId37"/>
-    <p:sldId id="347" r:id="rId38"/>
-    <p:sldId id="348" r:id="rId39"/>
-    <p:sldId id="349" r:id="rId40"/>
-    <p:sldId id="350" r:id="rId41"/>
-    <p:sldId id="351" r:id="rId42"/>
-    <p:sldId id="352" r:id="rId43"/>
-    <p:sldId id="353" r:id="rId44"/>
-    <p:sldId id="354" r:id="rId45"/>
-    <p:sldId id="355" r:id="rId46"/>
-    <p:sldId id="356" r:id="rId47"/>
-    <p:sldId id="357" r:id="rId48"/>
-    <p:sldId id="358" r:id="rId49"/>
-    <p:sldId id="359" r:id="rId50"/>
-    <p:sldId id="360" r:id="rId51"/>
-    <p:sldId id="361" r:id="rId52"/>
-    <p:sldId id="362" r:id="rId53"/>
-    <p:sldId id="363" r:id="rId54"/>
-    <p:sldId id="312" r:id="rId55"/>
+    <p:sldId id="364" r:id="rId30"/>
+    <p:sldId id="339" r:id="rId31"/>
+    <p:sldId id="340" r:id="rId32"/>
+    <p:sldId id="341" r:id="rId33"/>
+    <p:sldId id="342" r:id="rId34"/>
+    <p:sldId id="343" r:id="rId35"/>
+    <p:sldId id="365" r:id="rId36"/>
+    <p:sldId id="344" r:id="rId37"/>
+    <p:sldId id="345" r:id="rId38"/>
+    <p:sldId id="346" r:id="rId39"/>
+    <p:sldId id="347" r:id="rId40"/>
+    <p:sldId id="348" r:id="rId41"/>
+    <p:sldId id="349" r:id="rId42"/>
+    <p:sldId id="350" r:id="rId43"/>
+    <p:sldId id="351" r:id="rId44"/>
+    <p:sldId id="352" r:id="rId45"/>
+    <p:sldId id="353" r:id="rId46"/>
+    <p:sldId id="354" r:id="rId47"/>
+    <p:sldId id="355" r:id="rId48"/>
+    <p:sldId id="356" r:id="rId49"/>
+    <p:sldId id="357" r:id="rId50"/>
+    <p:sldId id="358" r:id="rId51"/>
+    <p:sldId id="359" r:id="rId52"/>
+    <p:sldId id="360" r:id="rId53"/>
+    <p:sldId id="361" r:id="rId54"/>
+    <p:sldId id="362" r:id="rId55"/>
+    <p:sldId id="363" r:id="rId56"/>
+    <p:sldId id="312" r:id="rId57"/>
   </p:sldIdLst>
   <p:sldSz cx="12192000" cy="6858000"/>
   <p:notesSz cx="6858000" cy="9144000"/>
@@ -297,7 +299,7 @@
             <a:fld id="{B61BEF0D-F0BB-DE4B-95CE-6DB70DBA9567}" type="datetimeFigureOut">
               <a:rPr lang="en-US" smtClean="0"/>
               <a:pPr/>
-              <a:t>1/19/2023</a:t>
+              <a:t>1/20/2023</a:t>
             </a:fld>
             <a:endParaRPr lang="en-US" dirty="0"/>
           </a:p>
@@ -469,7 +471,7 @@
             <a:fld id="{B61BEF0D-F0BB-DE4B-95CE-6DB70DBA9567}" type="datetimeFigureOut">
               <a:rPr lang="en-US" smtClean="0"/>
               <a:pPr/>
-              <a:t>1/19/2023</a:t>
+              <a:t>1/20/2023</a:t>
             </a:fld>
             <a:endParaRPr lang="en-US" dirty="0"/>
           </a:p>
@@ -651,7 +653,7 @@
             <a:fld id="{B61BEF0D-F0BB-DE4B-95CE-6DB70DBA9567}" type="datetimeFigureOut">
               <a:rPr lang="en-US" smtClean="0"/>
               <a:pPr/>
-              <a:t>1/19/2023</a:t>
+              <a:t>1/20/2023</a:t>
             </a:fld>
             <a:endParaRPr lang="en-US" dirty="0"/>
           </a:p>
@@ -823,7 +825,7 @@
             <a:fld id="{B61BEF0D-F0BB-DE4B-95CE-6DB70DBA9567}" type="datetimeFigureOut">
               <a:rPr lang="en-US" smtClean="0"/>
               <a:pPr/>
-              <a:t>1/19/2023</a:t>
+              <a:t>1/20/2023</a:t>
             </a:fld>
             <a:endParaRPr lang="en-US" dirty="0"/>
           </a:p>
@@ -1071,7 +1073,7 @@
             <a:fld id="{B61BEF0D-F0BB-DE4B-95CE-6DB70DBA9567}" type="datetimeFigureOut">
               <a:rPr lang="en-US" smtClean="0"/>
               <a:pPr/>
-              <a:t>1/19/2023</a:t>
+              <a:t>1/20/2023</a:t>
             </a:fld>
             <a:endParaRPr lang="en-US" dirty="0"/>
           </a:p>
@@ -1305,7 +1307,7 @@
             <a:fld id="{B61BEF0D-F0BB-DE4B-95CE-6DB70DBA9567}" type="datetimeFigureOut">
               <a:rPr lang="en-US" smtClean="0"/>
               <a:pPr/>
-              <a:t>1/19/2023</a:t>
+              <a:t>1/20/2023</a:t>
             </a:fld>
             <a:endParaRPr lang="en-US" dirty="0"/>
           </a:p>
@@ -1674,7 +1676,7 @@
             <a:fld id="{B61BEF0D-F0BB-DE4B-95CE-6DB70DBA9567}" type="datetimeFigureOut">
               <a:rPr lang="en-US" smtClean="0"/>
               <a:pPr/>
-              <a:t>1/19/2023</a:t>
+              <a:t>1/20/2023</a:t>
             </a:fld>
             <a:endParaRPr lang="en-US" dirty="0"/>
           </a:p>
@@ -1794,7 +1796,7 @@
             <a:fld id="{B61BEF0D-F0BB-DE4B-95CE-6DB70DBA9567}" type="datetimeFigureOut">
               <a:rPr lang="en-US" smtClean="0"/>
               <a:pPr/>
-              <a:t>1/19/2023</a:t>
+              <a:t>1/20/2023</a:t>
             </a:fld>
             <a:endParaRPr lang="en-US" dirty="0"/>
           </a:p>
@@ -1891,7 +1893,7 @@
             <a:fld id="{B61BEF0D-F0BB-DE4B-95CE-6DB70DBA9567}" type="datetimeFigureOut">
               <a:rPr lang="en-US" smtClean="0"/>
               <a:pPr/>
-              <a:t>1/19/2023</a:t>
+              <a:t>1/20/2023</a:t>
             </a:fld>
             <a:endParaRPr lang="en-US" dirty="0"/>
           </a:p>
@@ -2170,7 +2172,7 @@
             <a:fld id="{B61BEF0D-F0BB-DE4B-95CE-6DB70DBA9567}" type="datetimeFigureOut">
               <a:rPr lang="en-US" smtClean="0"/>
               <a:pPr/>
-              <a:t>1/19/2023</a:t>
+              <a:t>1/20/2023</a:t>
             </a:fld>
             <a:endParaRPr lang="en-US" dirty="0"/>
           </a:p>
@@ -2429,7 +2431,7 @@
             <a:fld id="{B61BEF0D-F0BB-DE4B-95CE-6DB70DBA9567}" type="datetimeFigureOut">
               <a:rPr lang="en-US" smtClean="0"/>
               <a:pPr/>
-              <a:t>1/19/2023</a:t>
+              <a:t>1/20/2023</a:t>
             </a:fld>
             <a:endParaRPr lang="en-US" dirty="0"/>
           </a:p>
@@ -2644,7 +2646,7 @@
             <a:fld id="{B61BEF0D-F0BB-DE4B-95CE-6DB70DBA9567}" type="datetimeFigureOut">
               <a:rPr lang="en-US" smtClean="0"/>
               <a:pPr/>
-              <a:t>1/19/2023</a:t>
+              <a:t>1/20/2023</a:t>
             </a:fld>
             <a:endParaRPr lang="en-US" dirty="0"/>
           </a:p>
@@ -3067,11 +3069,7 @@
           <a:p>
             <a:r>
               <a:rPr lang="tr-TR" dirty="0" smtClean="0"/>
-              <a:t>Bölüm </a:t>
-            </a:r>
-            <a:r>
-              <a:rPr lang="tr-TR" dirty="0" smtClean="0"/>
-              <a:t>3: Bellek Yönetimi</a:t>
+              <a:t>Bölüm 3: Bellek Yönetimi</a:t>
             </a:r>
             <a:endParaRPr lang="tr-TR" dirty="0"/>
           </a:p>
@@ -5728,7 +5726,6 @@
               <a:rPr lang="tr-TR" dirty="0"/>
               <a:t>Bellek Yönetim Birimi</a:t>
             </a:r>
-            <a:endParaRPr lang="tr-TR" dirty="0"/>
           </a:p>
         </p:txBody>
       </p:sp>
@@ -6475,6 +6472,91 @@
           <a:bodyPr/>
           <a:lstStyle/>
           <a:p>
+            <a:r>
+              <a:rPr lang="tr-TR" dirty="0"/>
+              <a:t>Sayfa tablosunu </a:t>
+            </a:r>
+            <a:r>
+              <a:rPr lang="tr-TR" dirty="0" smtClean="0"/>
+              <a:t>yazmaçta tutmak?</a:t>
+            </a:r>
+          </a:p>
+          <a:p>
+            <a:pPr lvl="1"/>
+            <a:r>
+              <a:rPr lang="tr-TR" dirty="0" smtClean="0"/>
+              <a:t>Süreç koşarken bellek </a:t>
+            </a:r>
+            <a:r>
+              <a:rPr lang="tr-TR" dirty="0"/>
+              <a:t>erişimi </a:t>
+            </a:r>
+            <a:r>
+              <a:rPr lang="tr-TR" dirty="0" smtClean="0"/>
+              <a:t>gerekmez</a:t>
+            </a:r>
+          </a:p>
+          <a:p>
+            <a:pPr lvl="1"/>
+            <a:r>
+              <a:rPr lang="tr-TR" dirty="0" smtClean="0"/>
+              <a:t>Karşılanmayacak derecede pahalı</a:t>
+            </a:r>
+          </a:p>
+          <a:p>
+            <a:r>
+              <a:rPr lang="tr-TR" dirty="0" smtClean="0"/>
+              <a:t>Sayfa </a:t>
+            </a:r>
+            <a:r>
+              <a:rPr lang="tr-TR" dirty="0"/>
+              <a:t>tablosunu tamamen bellekte </a:t>
+            </a:r>
+            <a:r>
+              <a:rPr lang="tr-TR" dirty="0" smtClean="0"/>
+              <a:t>tutmak?</a:t>
+            </a:r>
+          </a:p>
+          <a:p>
+            <a:pPr lvl="1"/>
+            <a:r>
+              <a:rPr lang="tr-TR" dirty="0" smtClean="0"/>
+              <a:t>Her sürecin kendi </a:t>
+            </a:r>
+            <a:r>
+              <a:rPr lang="tr-TR" dirty="0"/>
+              <a:t>sayfa tablosu </a:t>
+            </a:r>
+            <a:r>
+              <a:rPr lang="tr-TR" dirty="0" smtClean="0"/>
+              <a:t>vardır</a:t>
+            </a:r>
+          </a:p>
+          <a:p>
+            <a:pPr lvl="1"/>
+            <a:r>
+              <a:rPr lang="tr-TR" dirty="0" smtClean="0"/>
+              <a:t>Sayfa </a:t>
+            </a:r>
+            <a:r>
+              <a:rPr lang="tr-TR" dirty="0"/>
+              <a:t>tablosu bellekte </a:t>
+            </a:r>
+            <a:r>
+              <a:rPr lang="tr-TR" dirty="0" smtClean="0"/>
+              <a:t>tutulur</a:t>
+            </a:r>
+          </a:p>
+          <a:p>
+            <a:pPr lvl="1"/>
+            <a:r>
+              <a:rPr lang="tr-TR" dirty="0" smtClean="0"/>
+              <a:t>Mantıksal </a:t>
+            </a:r>
+            <a:r>
+              <a:rPr lang="tr-TR" dirty="0"/>
+              <a:t>bir bellek erişimi gerçekleştirmek için kaç bellek erişimi gerekir?</a:t>
+            </a:r>
             <a:endParaRPr lang="tr-TR" dirty="0"/>
           </a:p>
         </p:txBody>
@@ -6532,8 +6614,8 @@
           <a:lstStyle/>
           <a:p>
             <a:r>
-              <a:rPr lang="tr-TR" dirty="0" smtClean="0"/>
-              <a:t>Sanal Bellek - Sayfalama</a:t>
+              <a:rPr lang="tr-TR" smtClean="0"/>
+              <a:t>Sayfalamayı Hızlandırma</a:t>
             </a:r>
             <a:endParaRPr lang="tr-TR" dirty="0"/>
           </a:p>
@@ -6554,6 +6636,137 @@
           <a:bodyPr/>
           <a:lstStyle/>
           <a:p>
+            <a:r>
+              <a:rPr lang="tr-TR" dirty="0"/>
+              <a:t>Etkili bellek erişim süresi, her </a:t>
+            </a:r>
+            <a:r>
+              <a:rPr lang="tr-TR" dirty="0" smtClean="0"/>
+              <a:t>veri/komut </a:t>
+            </a:r>
+            <a:r>
+              <a:rPr lang="tr-TR" dirty="0"/>
+              <a:t>erişimi için gereken </a:t>
+            </a:r>
+            <a:r>
+              <a:rPr lang="tr-TR" dirty="0" smtClean="0"/>
+              <a:t>süre</a:t>
+            </a:r>
+          </a:p>
+          <a:p>
+            <a:pPr lvl="1"/>
+            <a:r>
+              <a:rPr lang="tr-TR" dirty="0" smtClean="0"/>
+              <a:t>İki </a:t>
+            </a:r>
+            <a:r>
+              <a:rPr lang="tr-TR" dirty="0"/>
+              <a:t>kez bellek erişim süresi; performansı yarı yarıya </a:t>
+            </a:r>
+            <a:r>
+              <a:rPr lang="tr-TR" dirty="0" smtClean="0"/>
+              <a:t>azaltır</a:t>
+            </a:r>
+          </a:p>
+          <a:p>
+            <a:pPr lvl="1"/>
+            <a:r>
+              <a:rPr lang="tr-TR" dirty="0" smtClean="0"/>
+              <a:t>Sayfa </a:t>
+            </a:r>
+            <a:r>
+              <a:rPr lang="tr-TR" dirty="0"/>
+              <a:t>tablosuna erişin &amp; </a:t>
+            </a:r>
+            <a:r>
+              <a:rPr lang="tr-TR" dirty="0" smtClean="0"/>
+              <a:t>verilere/komutlara erişin</a:t>
+            </a:r>
+          </a:p>
+          <a:p>
+            <a:pPr lvl="1"/>
+            <a:endParaRPr lang="tr-TR" dirty="0"/>
+          </a:p>
+          <a:p>
+            <a:r>
+              <a:rPr lang="tr-TR" dirty="0" smtClean="0"/>
+              <a:t>Çözüm:</a:t>
+            </a:r>
+          </a:p>
+          <a:p>
+            <a:pPr lvl="1"/>
+            <a:r>
+              <a:rPr lang="tr-TR" dirty="0" smtClean="0"/>
+              <a:t>İlişkili yazmaçlar (</a:t>
+            </a:r>
+            <a:r>
+              <a:rPr lang="tr-TR" dirty="0" err="1" smtClean="0"/>
+              <a:t>associative</a:t>
+            </a:r>
+            <a:r>
+              <a:rPr lang="tr-TR" dirty="0" smtClean="0"/>
+              <a:t> </a:t>
+            </a:r>
+            <a:r>
+              <a:rPr lang="tr-TR" dirty="0" err="1" smtClean="0"/>
+              <a:t>registers</a:t>
+            </a:r>
+            <a:r>
+              <a:rPr lang="tr-TR" dirty="0" smtClean="0"/>
+              <a:t>) </a:t>
+            </a:r>
+            <a:r>
+              <a:rPr lang="tr-TR" dirty="0"/>
+              <a:t>veya çeviriye bakma arabellekleri (</a:t>
+            </a:r>
+            <a:r>
+              <a:rPr lang="tr-TR" dirty="0" err="1"/>
+              <a:t>translation</a:t>
+            </a:r>
+            <a:r>
+              <a:rPr lang="tr-TR" dirty="0"/>
+              <a:t> </a:t>
+            </a:r>
+            <a:r>
+              <a:rPr lang="tr-TR" dirty="0" err="1"/>
+              <a:t>look</a:t>
+            </a:r>
+            <a:r>
+              <a:rPr lang="tr-TR" dirty="0"/>
+              <a:t>-aside </a:t>
+            </a:r>
+            <a:r>
+              <a:rPr lang="tr-TR" dirty="0" err="1" smtClean="0"/>
+              <a:t>buffers</a:t>
+            </a:r>
+            <a:r>
+              <a:rPr lang="tr-TR" dirty="0" smtClean="0"/>
+              <a:t>) </a:t>
+            </a:r>
+            <a:r>
+              <a:rPr lang="tr-TR" dirty="0"/>
+              <a:t>(</a:t>
+            </a:r>
+            <a:r>
+              <a:rPr lang="tr-TR" dirty="0" err="1"/>
+              <a:t>TLB'ler</a:t>
+            </a:r>
+            <a:r>
+              <a:rPr lang="tr-TR" dirty="0"/>
+              <a:t>) adı verilen özel </a:t>
+            </a:r>
+            <a:r>
+              <a:rPr lang="tr-TR" dirty="0" smtClean="0"/>
+              <a:t>hızlı </a:t>
+            </a:r>
+            <a:r>
+              <a:rPr lang="tr-TR" dirty="0"/>
+              <a:t>arama </a:t>
+            </a:r>
+            <a:r>
+              <a:rPr lang="tr-TR" dirty="0" smtClean="0"/>
+              <a:t>yapan donanım önbelleği </a:t>
+            </a:r>
             <a:endParaRPr lang="tr-TR" dirty="0"/>
           </a:p>
         </p:txBody>
@@ -6561,7 +6774,7 @@
     </p:spTree>
     <p:extLst>
       <p:ext uri="{BB962C8B-B14F-4D97-AF65-F5344CB8AC3E}">
-        <p14:creationId xmlns:p14="http://schemas.microsoft.com/office/powerpoint/2010/main" val="480340368"/>
+        <p14:creationId xmlns:p14="http://schemas.microsoft.com/office/powerpoint/2010/main" val="3247034589"/>
       </p:ext>
     </p:extLst>
   </p:cSld>
@@ -6765,8 +6978,24 @@
           <a:lstStyle/>
           <a:p>
             <a:r>
-              <a:rPr lang="tr-TR" dirty="0" smtClean="0"/>
-              <a:t>Sanal Bellek - Sayfalama</a:t>
+              <a:rPr lang="tr-TR" dirty="0" err="1"/>
+              <a:t>Translation</a:t>
+            </a:r>
+            <a:r>
+              <a:rPr lang="tr-TR" dirty="0"/>
+              <a:t> </a:t>
+            </a:r>
+            <a:r>
+              <a:rPr lang="tr-TR" dirty="0" err="1"/>
+              <a:t>Lookaside</a:t>
+            </a:r>
+            <a:r>
+              <a:rPr lang="tr-TR" dirty="0"/>
+              <a:t> </a:t>
+            </a:r>
+            <a:r>
+              <a:rPr lang="tr-TR" dirty="0" err="1"/>
+              <a:t>Buffers</a:t>
             </a:r>
             <a:endParaRPr lang="tr-TR" dirty="0"/>
           </a:p>
@@ -6787,14 +7016,72 @@
           <a:bodyPr/>
           <a:lstStyle/>
           <a:p>
+            <a:r>
+              <a:rPr lang="tr-TR" dirty="0" smtClean="0"/>
+              <a:t>.</a:t>
+            </a:r>
             <a:endParaRPr lang="tr-TR" dirty="0"/>
           </a:p>
         </p:txBody>
       </p:sp>
+      <p:pic>
+        <p:nvPicPr>
+          <p:cNvPr id="4" name="Picture 6" descr="03-12"/>
+          <p:cNvPicPr>
+            <a:picLocks noChangeAspect="1" noChangeArrowheads="1"/>
+          </p:cNvPicPr>
+          <p:nvPr/>
+        </p:nvPicPr>
+        <p:blipFill>
+          <a:blip r:embed="rId2">
+            <a:extLst>
+              <a:ext uri="{28A0092B-C50C-407E-A947-70E740481C1C}">
+                <a14:useLocalDpi xmlns:a14="http://schemas.microsoft.com/office/drawing/2010/main" val="0"/>
+              </a:ext>
+            </a:extLst>
+          </a:blip>
+          <a:srcRect/>
+          <a:stretch>
+            <a:fillRect/>
+          </a:stretch>
+        </p:blipFill>
+        <p:spPr bwMode="auto">
+          <a:xfrm>
+            <a:off x="2133600" y="2100263"/>
+            <a:ext cx="7924800" cy="4076700"/>
+          </a:xfrm>
+          <a:prstGeom prst="rect">
+            <a:avLst/>
+          </a:prstGeom>
+          <a:noFill/>
+          <a:ln>
+            <a:noFill/>
+          </a:ln>
+          <a:extLst>
+            <a:ext uri="{909E8E84-426E-40DD-AFC4-6F175D3DCCD1}">
+              <a14:hiddenFill xmlns:a14="http://schemas.microsoft.com/office/drawing/2010/main">
+                <a:solidFill>
+                  <a:srgbClr val="FFFFFF"/>
+                </a:solidFill>
+              </a14:hiddenFill>
+            </a:ext>
+            <a:ext uri="{91240B29-F687-4F45-9708-019B960494DF}">
+              <a14:hiddenLine xmlns:a14="http://schemas.microsoft.com/office/drawing/2010/main" w="9525">
+                <a:solidFill>
+                  <a:srgbClr val="000000"/>
+                </a:solidFill>
+                <a:miter lim="800000"/>
+                <a:headEnd/>
+                <a:tailEnd/>
+              </a14:hiddenLine>
+            </a:ext>
+          </a:extLst>
+        </p:spPr>
+      </p:pic>
     </p:spTree>
     <p:extLst>
       <p:ext uri="{BB962C8B-B14F-4D97-AF65-F5344CB8AC3E}">
-        <p14:creationId xmlns:p14="http://schemas.microsoft.com/office/powerpoint/2010/main" val="4097381488"/>
+        <p14:creationId xmlns:p14="http://schemas.microsoft.com/office/powerpoint/2010/main" val="480340368"/>
       </p:ext>
     </p:extLst>
   </p:cSld>
@@ -6845,7 +7132,7 @@
           <a:p>
             <a:r>
               <a:rPr lang="tr-TR" dirty="0" smtClean="0"/>
-              <a:t>Sanal Bellek - Sayfalama</a:t>
+              <a:t>TLB</a:t>
             </a:r>
             <a:endParaRPr lang="tr-TR" dirty="0"/>
           </a:p>
@@ -6866,6 +7153,113 @@
           <a:bodyPr/>
           <a:lstStyle/>
           <a:p>
+            <a:r>
+              <a:rPr lang="tr-TR" dirty="0"/>
+              <a:t>TLB genellikle </a:t>
+            </a:r>
+            <a:r>
+              <a:rPr lang="tr-TR" dirty="0" err="1"/>
+              <a:t>MMU'nun</a:t>
+            </a:r>
+            <a:r>
+              <a:rPr lang="tr-TR" dirty="0"/>
+              <a:t> içindedir ve az sayıda </a:t>
+            </a:r>
+            <a:r>
+              <a:rPr lang="tr-TR" dirty="0" smtClean="0"/>
+              <a:t>elemandan oluşur</a:t>
+            </a:r>
+          </a:p>
+          <a:p>
+            <a:r>
+              <a:rPr lang="tr-TR" dirty="0" smtClean="0"/>
+              <a:t>Sanal </a:t>
+            </a:r>
+            <a:r>
+              <a:rPr lang="tr-TR" dirty="0"/>
+              <a:t>bir adres </a:t>
+            </a:r>
+            <a:r>
+              <a:rPr lang="tr-TR" dirty="0" smtClean="0"/>
+              <a:t>alındığında</a:t>
+            </a:r>
+          </a:p>
+          <a:p>
+            <a:pPr lvl="1"/>
+            <a:r>
+              <a:rPr lang="tr-TR" dirty="0" smtClean="0"/>
+              <a:t>MMU öncelikle </a:t>
+            </a:r>
+            <a:r>
+              <a:rPr lang="tr-TR" dirty="0"/>
+              <a:t>sanal </a:t>
+            </a:r>
+            <a:r>
+              <a:rPr lang="tr-TR" dirty="0" smtClean="0"/>
+              <a:t>sayfa numarasının </a:t>
+            </a:r>
+            <a:r>
+              <a:rPr lang="tr-TR" dirty="0" err="1"/>
+              <a:t>TLB'de</a:t>
+            </a:r>
+            <a:r>
+              <a:rPr lang="tr-TR" dirty="0"/>
+              <a:t> olup olmadığını kontrol </a:t>
+            </a:r>
+            <a:r>
+              <a:rPr lang="tr-TR" dirty="0" smtClean="0"/>
+              <a:t>eder</a:t>
+            </a:r>
+          </a:p>
+          <a:p>
+            <a:pPr lvl="1"/>
+            <a:r>
+              <a:rPr lang="tr-TR" dirty="0" err="1" smtClean="0"/>
+              <a:t>TLB’de</a:t>
+            </a:r>
+            <a:r>
+              <a:rPr lang="tr-TR" dirty="0" smtClean="0"/>
+              <a:t> ise, </a:t>
+            </a:r>
+            <a:r>
+              <a:rPr lang="tr-TR" dirty="0"/>
+              <a:t>sayfa tablosunu ziyaret etmeye gerek </a:t>
+            </a:r>
+            <a:r>
+              <a:rPr lang="tr-TR" dirty="0" smtClean="0"/>
+              <a:t>yok</a:t>
+            </a:r>
+          </a:p>
+          <a:p>
+            <a:pPr lvl="1"/>
+            <a:r>
+              <a:rPr lang="tr-TR" dirty="0" smtClean="0"/>
+              <a:t>değilse</a:t>
+            </a:r>
+            <a:r>
+              <a:rPr lang="tr-TR" dirty="0"/>
+              <a:t>, </a:t>
+            </a:r>
+            <a:r>
+              <a:rPr lang="tr-TR" dirty="0" err="1"/>
+              <a:t>TLB'den</a:t>
+            </a:r>
+            <a:r>
+              <a:rPr lang="tr-TR" dirty="0"/>
+              <a:t> bir </a:t>
+            </a:r>
+            <a:r>
+              <a:rPr lang="tr-TR" dirty="0" smtClean="0"/>
+              <a:t>elemanı çıkarır </a:t>
+            </a:r>
+            <a:r>
+              <a:rPr lang="tr-TR" dirty="0"/>
+              <a:t>ve </a:t>
+            </a:r>
+            <a:r>
+              <a:rPr lang="tr-TR" dirty="0" smtClean="0"/>
+              <a:t>yeni elemanı sayfa tablosunda bir eleman ile değiştirir.</a:t>
+            </a:r>
             <a:endParaRPr lang="tr-TR" dirty="0"/>
           </a:p>
         </p:txBody>
@@ -6873,7 +7267,7 @@
     </p:spTree>
     <p:extLst>
       <p:ext uri="{BB962C8B-B14F-4D97-AF65-F5344CB8AC3E}">
-        <p14:creationId xmlns:p14="http://schemas.microsoft.com/office/powerpoint/2010/main" val="721097506"/>
+        <p14:creationId xmlns:p14="http://schemas.microsoft.com/office/powerpoint/2010/main" val="4097381488"/>
       </p:ext>
     </p:extLst>
   </p:cSld>
@@ -6924,7 +7318,7 @@
           <a:p>
             <a:r>
               <a:rPr lang="tr-TR" dirty="0" smtClean="0"/>
-              <a:t>Sanal Bellek - Sayfalama</a:t>
+              <a:t>Etkili Erişim Süresi</a:t>
             </a:r>
             <a:endParaRPr lang="tr-TR" dirty="0"/>
           </a:p>
@@ -6942,9 +7336,333 @@
         </p:nvSpPr>
         <p:spPr/>
         <p:txBody>
-          <a:bodyPr/>
-          <a:lstStyle/>
-          <a:p>
+          <a:bodyPr>
+            <a:normAutofit lnSpcReduction="10000"/>
+          </a:bodyPr>
+          <a:lstStyle/>
+          <a:p>
+            <a:r>
+              <a:rPr lang="tr-TR" dirty="0"/>
+              <a:t>İlişkili Arama = </a:t>
+            </a:r>
+            <a:r>
+              <a:rPr lang="en-US" altLang="zh-CN" dirty="0">
+                <a:sym typeface="Symbol" panose="05050102010706020507" pitchFamily="18" charset="2"/>
+              </a:rPr>
+              <a:t></a:t>
+            </a:r>
+            <a:r>
+              <a:rPr lang="tr-TR" dirty="0" smtClean="0"/>
+              <a:t> </a:t>
+            </a:r>
+            <a:r>
+              <a:rPr lang="tr-TR" dirty="0"/>
+              <a:t>zaman birimi; </a:t>
+            </a:r>
+            <a:endParaRPr lang="tr-TR" dirty="0" smtClean="0"/>
+          </a:p>
+          <a:p>
+            <a:r>
+              <a:rPr lang="tr-TR" dirty="0" smtClean="0"/>
+              <a:t>bellek çevrim (</a:t>
+            </a:r>
+            <a:r>
+              <a:rPr lang="tr-TR" dirty="0" err="1" smtClean="0"/>
+              <a:t>cycle</a:t>
+            </a:r>
+            <a:r>
+              <a:rPr lang="tr-TR" dirty="0" smtClean="0"/>
+              <a:t>) </a:t>
+            </a:r>
+            <a:r>
+              <a:rPr lang="tr-TR" dirty="0"/>
+              <a:t>süresi = </a:t>
+            </a:r>
+            <a:r>
+              <a:rPr lang="tr-TR" i="1" dirty="0"/>
+              <a:t>t</a:t>
+            </a:r>
+            <a:r>
+              <a:rPr lang="tr-TR" dirty="0"/>
+              <a:t> zaman birimi; </a:t>
+            </a:r>
+            <a:endParaRPr lang="tr-TR" dirty="0" smtClean="0"/>
+          </a:p>
+          <a:p>
+            <a:r>
+              <a:rPr lang="tr-TR" dirty="0" smtClean="0"/>
+              <a:t>İsabet </a:t>
+            </a:r>
+            <a:r>
+              <a:rPr lang="tr-TR" dirty="0"/>
+              <a:t>oranı = </a:t>
+            </a:r>
+            <a:r>
+              <a:rPr lang="en-US" altLang="zh-CN" dirty="0">
+                <a:sym typeface="Symbol" panose="05050102010706020507" pitchFamily="18" charset="2"/>
+              </a:rPr>
+              <a:t></a:t>
+            </a:r>
+          </a:p>
+          <a:p>
+            <a:r>
+              <a:rPr lang="tr-TR" dirty="0" smtClean="0"/>
+              <a:t>Etkili </a:t>
+            </a:r>
+            <a:r>
+              <a:rPr lang="tr-TR" dirty="0"/>
+              <a:t>Erişim Süresi </a:t>
+            </a:r>
+          </a:p>
+          <a:p>
+            <a:pPr lvl="1"/>
+            <a:r>
+              <a:rPr lang="tr-TR" dirty="0" smtClean="0"/>
+              <a:t>EES </a:t>
+            </a:r>
+            <a:r>
+              <a:rPr lang="tr-TR" dirty="0"/>
+              <a:t>= (t + </a:t>
+            </a:r>
+            <a:r>
+              <a:rPr lang="en-US" altLang="zh-CN" dirty="0">
+                <a:sym typeface="Symbol" panose="05050102010706020507" pitchFamily="18" charset="2"/>
+              </a:rPr>
+              <a:t></a:t>
+            </a:r>
+            <a:r>
+              <a:rPr lang="tr-TR" dirty="0" smtClean="0"/>
+              <a:t>) </a:t>
+            </a:r>
+            <a:r>
+              <a:rPr lang="en-US" altLang="zh-CN" dirty="0">
+                <a:sym typeface="Symbol" panose="05050102010706020507" pitchFamily="18" charset="2"/>
+              </a:rPr>
+              <a:t></a:t>
+            </a:r>
+            <a:r>
+              <a:rPr lang="tr-TR" dirty="0" smtClean="0"/>
+              <a:t> </a:t>
+            </a:r>
+            <a:r>
+              <a:rPr lang="tr-TR" dirty="0"/>
+              <a:t>+ (2</a:t>
+            </a:r>
+            <a:r>
+              <a:rPr lang="tr-TR" i="1" dirty="0"/>
+              <a:t>t</a:t>
+            </a:r>
+            <a:r>
+              <a:rPr lang="tr-TR" dirty="0"/>
+              <a:t> + </a:t>
+            </a:r>
+            <a:r>
+              <a:rPr lang="en-US" altLang="zh-CN" dirty="0">
+                <a:sym typeface="Symbol" panose="05050102010706020507" pitchFamily="18" charset="2"/>
+              </a:rPr>
+              <a:t></a:t>
+            </a:r>
+            <a:r>
+              <a:rPr lang="tr-TR" dirty="0" smtClean="0"/>
+              <a:t>)(</a:t>
+            </a:r>
+            <a:r>
+              <a:rPr lang="tr-TR" dirty="0"/>
+              <a:t>1 – </a:t>
+            </a:r>
+            <a:r>
+              <a:rPr lang="en-US" altLang="zh-CN" dirty="0">
+                <a:sym typeface="Symbol" panose="05050102010706020507" pitchFamily="18" charset="2"/>
+              </a:rPr>
+              <a:t></a:t>
+            </a:r>
+            <a:r>
+              <a:rPr lang="tr-TR" dirty="0" smtClean="0"/>
+              <a:t>) = </a:t>
+            </a:r>
+            <a:r>
+              <a:rPr lang="tr-TR" dirty="0"/>
+              <a:t>2</a:t>
+            </a:r>
+            <a:r>
+              <a:rPr lang="tr-TR" i="1" dirty="0"/>
+              <a:t>t</a:t>
+            </a:r>
+            <a:r>
+              <a:rPr lang="tr-TR" dirty="0"/>
+              <a:t> + </a:t>
+            </a:r>
+            <a:r>
+              <a:rPr lang="en-US" altLang="zh-CN" dirty="0">
+                <a:sym typeface="Symbol" panose="05050102010706020507" pitchFamily="18" charset="2"/>
+              </a:rPr>
+              <a:t></a:t>
+            </a:r>
+            <a:r>
+              <a:rPr lang="tr-TR" dirty="0" smtClean="0"/>
+              <a:t> </a:t>
+            </a:r>
+            <a:r>
+              <a:rPr lang="tr-TR" dirty="0"/>
+              <a:t>– </a:t>
+            </a:r>
+            <a:r>
+              <a:rPr lang="tr-TR" dirty="0" smtClean="0"/>
+              <a:t>t</a:t>
+            </a:r>
+            <a:r>
+              <a:rPr lang="en-US" altLang="zh-CN" dirty="0">
+                <a:sym typeface="Symbol" panose="05050102010706020507" pitchFamily="18" charset="2"/>
+              </a:rPr>
+              <a:t> </a:t>
+            </a:r>
+            <a:r>
+              <a:rPr lang="tr-TR" dirty="0" smtClean="0"/>
+              <a:t> </a:t>
+            </a:r>
+          </a:p>
+          <a:p>
+            <a:r>
+              <a:rPr lang="en-US" altLang="zh-CN" dirty="0">
+                <a:sym typeface="Symbol" panose="05050102010706020507" pitchFamily="18" charset="2"/>
+              </a:rPr>
+              <a:t></a:t>
+            </a:r>
+            <a:r>
+              <a:rPr lang="tr-TR" dirty="0" smtClean="0"/>
+              <a:t>(</a:t>
+            </a:r>
+            <a:r>
+              <a:rPr lang="tr-TR" dirty="0"/>
+              <a:t>20 </a:t>
+            </a:r>
+            <a:r>
+              <a:rPr lang="tr-TR" dirty="0" err="1"/>
+              <a:t>ns</a:t>
+            </a:r>
+            <a:r>
+              <a:rPr lang="tr-TR" dirty="0"/>
+              <a:t>), </a:t>
+            </a:r>
+            <a:r>
+              <a:rPr lang="tr-TR" i="1" dirty="0"/>
+              <a:t>t</a:t>
+            </a:r>
+            <a:r>
+              <a:rPr lang="tr-TR" dirty="0"/>
+              <a:t>(100 </a:t>
+            </a:r>
+            <a:r>
+              <a:rPr lang="tr-TR" dirty="0" err="1"/>
+              <a:t>ns</a:t>
+            </a:r>
+            <a:r>
+              <a:rPr lang="tr-TR" dirty="0"/>
+              <a:t>), </a:t>
+            </a:r>
+            <a:r>
+              <a:rPr lang="en-US" altLang="zh-CN" dirty="0">
+                <a:sym typeface="Symbol" panose="05050102010706020507" pitchFamily="18" charset="2"/>
+              </a:rPr>
+              <a:t> </a:t>
+            </a:r>
+            <a:r>
+              <a:rPr lang="tr-TR" dirty="0" smtClean="0"/>
+              <a:t>1</a:t>
+            </a:r>
+            <a:r>
+              <a:rPr lang="tr-TR" dirty="0"/>
+              <a:t>(%80), </a:t>
+            </a:r>
+            <a:r>
+              <a:rPr lang="en-US" altLang="zh-CN" dirty="0">
+                <a:sym typeface="Symbol" panose="05050102010706020507" pitchFamily="18" charset="2"/>
+              </a:rPr>
+              <a:t> </a:t>
+            </a:r>
+            <a:r>
+              <a:rPr lang="tr-TR" dirty="0" smtClean="0"/>
+              <a:t>2</a:t>
+            </a:r>
+            <a:r>
+              <a:rPr lang="tr-TR" dirty="0"/>
+              <a:t>(%98) ise</a:t>
+            </a:r>
+            <a:r>
+              <a:rPr lang="tr-TR" dirty="0" smtClean="0"/>
+              <a:t>:</a:t>
+            </a:r>
+          </a:p>
+          <a:p>
+            <a:pPr lvl="1"/>
+            <a:r>
+              <a:rPr lang="tr-TR" dirty="0" smtClean="0"/>
+              <a:t>TLB hit: </a:t>
+            </a:r>
+            <a:r>
+              <a:rPr lang="tr-TR" dirty="0"/>
+              <a:t>20+100=120 </a:t>
+            </a:r>
+            <a:r>
+              <a:rPr lang="tr-TR" dirty="0" err="1" smtClean="0"/>
+              <a:t>ns</a:t>
+            </a:r>
+            <a:endParaRPr lang="tr-TR" dirty="0" smtClean="0"/>
+          </a:p>
+          <a:p>
+            <a:pPr lvl="1"/>
+            <a:r>
+              <a:rPr lang="tr-TR" dirty="0" smtClean="0"/>
+              <a:t>TLB </a:t>
+            </a:r>
+            <a:r>
+              <a:rPr lang="tr-TR" dirty="0" err="1" smtClean="0"/>
+              <a:t>miss</a:t>
+            </a:r>
+            <a:r>
+              <a:rPr lang="tr-TR" dirty="0" smtClean="0"/>
+              <a:t>: </a:t>
+            </a:r>
+            <a:r>
+              <a:rPr lang="tr-TR" dirty="0"/>
+              <a:t>20+100+100=220 </a:t>
+            </a:r>
+            <a:r>
+              <a:rPr lang="tr-TR" dirty="0" err="1" smtClean="0"/>
+              <a:t>ns</a:t>
+            </a:r>
+            <a:endParaRPr lang="tr-TR" dirty="0" smtClean="0"/>
+          </a:p>
+          <a:p>
+            <a:pPr lvl="1"/>
+            <a:r>
+              <a:rPr lang="tr-TR" dirty="0" smtClean="0"/>
+              <a:t>EES1 </a:t>
+            </a:r>
+            <a:r>
+              <a:rPr lang="tr-TR" dirty="0"/>
+              <a:t>= 120*0,8 + 220 * 0,2 = 140 </a:t>
+            </a:r>
+            <a:r>
+              <a:rPr lang="tr-TR" dirty="0" err="1" smtClean="0"/>
+              <a:t>ns</a:t>
+            </a:r>
+            <a:endParaRPr lang="tr-TR" dirty="0" smtClean="0"/>
+          </a:p>
+          <a:p>
+            <a:pPr lvl="1"/>
+            <a:r>
+              <a:rPr lang="tr-TR" dirty="0" smtClean="0"/>
+              <a:t>EES2 </a:t>
+            </a:r>
+            <a:r>
+              <a:rPr lang="tr-TR" dirty="0"/>
+              <a:t>= 120*0,98 + 220 * 0,02 = 122 </a:t>
+            </a:r>
+            <a:r>
+              <a:rPr lang="tr-TR" dirty="0" err="1"/>
+              <a:t>ns</a:t>
+            </a:r>
             <a:endParaRPr lang="tr-TR" dirty="0"/>
           </a:p>
         </p:txBody>
@@ -6952,7 +7670,7 @@
     </p:spTree>
     <p:extLst>
       <p:ext uri="{BB962C8B-B14F-4D97-AF65-F5344CB8AC3E}">
-        <p14:creationId xmlns:p14="http://schemas.microsoft.com/office/powerpoint/2010/main" val="1384935742"/>
+        <p14:creationId xmlns:p14="http://schemas.microsoft.com/office/powerpoint/2010/main" val="721097506"/>
       </p:ext>
     </p:extLst>
   </p:cSld>
@@ -7003,7 +7721,7 @@
           <a:p>
             <a:r>
               <a:rPr lang="tr-TR" dirty="0" smtClean="0"/>
-              <a:t>Sanal Bellek - Sayfalama</a:t>
+              <a:t>Büyük Bellek için Sayfa Tablosu</a:t>
             </a:r>
             <a:endParaRPr lang="tr-TR" dirty="0"/>
           </a:p>
@@ -7024,6 +7742,78 @@
           <a:bodyPr/>
           <a:lstStyle/>
           <a:p>
+            <a:r>
+              <a:rPr lang="tr-TR" dirty="0"/>
+              <a:t>Adres alanı: </a:t>
+            </a:r>
+            <a:r>
+              <a:rPr lang="tr-TR" dirty="0" smtClean="0"/>
+              <a:t>32 bit</a:t>
+            </a:r>
+          </a:p>
+          <a:p>
+            <a:r>
+              <a:rPr lang="tr-TR" dirty="0" smtClean="0"/>
+              <a:t>Sayfa </a:t>
+            </a:r>
+            <a:r>
+              <a:rPr lang="tr-TR" dirty="0"/>
+              <a:t>boyutu: </a:t>
+            </a:r>
+            <a:r>
+              <a:rPr lang="tr-TR" dirty="0" smtClean="0"/>
+              <a:t>4 KB</a:t>
+            </a:r>
+          </a:p>
+          <a:p>
+            <a:r>
+              <a:rPr lang="tr-TR" dirty="0" smtClean="0"/>
+              <a:t>Sayfa </a:t>
+            </a:r>
+            <a:r>
+              <a:rPr lang="tr-TR" dirty="0"/>
+              <a:t>Numaraları: 20 bit, 1 milyon </a:t>
+            </a:r>
+            <a:r>
+              <a:rPr lang="tr-TR" dirty="0" smtClean="0"/>
+              <a:t>sayfa</a:t>
+            </a:r>
+          </a:p>
+          <a:p>
+            <a:r>
+              <a:rPr lang="tr-TR" dirty="0" smtClean="0"/>
+              <a:t>Sayfa eleman başına </a:t>
+            </a:r>
+            <a:r>
+              <a:rPr lang="tr-TR" dirty="0"/>
+              <a:t>32 bit, </a:t>
+            </a:r>
+            <a:r>
+              <a:rPr lang="tr-TR" dirty="0" smtClean="0"/>
+              <a:t>sayfa </a:t>
+            </a:r>
+            <a:r>
+              <a:rPr lang="tr-TR" dirty="0"/>
+              <a:t>tablosunu </a:t>
+            </a:r>
+            <a:r>
+              <a:rPr lang="tr-TR" dirty="0" smtClean="0"/>
+              <a:t>tutmak için </a:t>
+            </a:r>
+            <a:r>
+              <a:rPr lang="tr-TR" dirty="0"/>
+              <a:t>4 </a:t>
+            </a:r>
+            <a:r>
+              <a:rPr lang="tr-TR" dirty="0" smtClean="0"/>
+              <a:t>MB</a:t>
+            </a:r>
+          </a:p>
+          <a:p>
+            <a:r>
+              <a:rPr lang="tr-TR" dirty="0" smtClean="0"/>
+              <a:t>64 bit sistem için?</a:t>
+            </a:r>
             <a:endParaRPr lang="tr-TR" dirty="0"/>
           </a:p>
         </p:txBody>
@@ -7031,7 +7821,7 @@
     </p:spTree>
     <p:extLst>
       <p:ext uri="{BB962C8B-B14F-4D97-AF65-F5344CB8AC3E}">
-        <p14:creationId xmlns:p14="http://schemas.microsoft.com/office/powerpoint/2010/main" val="1361452692"/>
+        <p14:creationId xmlns:p14="http://schemas.microsoft.com/office/powerpoint/2010/main" val="1384935742"/>
       </p:ext>
     </p:extLst>
   </p:cSld>
@@ -7082,7 +7872,7 @@
           <a:p>
             <a:r>
               <a:rPr lang="tr-TR" dirty="0" smtClean="0"/>
-              <a:t>Sanal Bellek - Sayfalama</a:t>
+              <a:t>Çoklu Seviye Sayfa Tablosu</a:t>
             </a:r>
             <a:endParaRPr lang="tr-TR" dirty="0"/>
           </a:p>
@@ -7103,6 +7893,124 @@
           <a:bodyPr/>
           <a:lstStyle/>
           <a:p>
+            <a:r>
+              <a:rPr lang="tr-TR" dirty="0" smtClean="0"/>
+              <a:t>32 bit </a:t>
+            </a:r>
+            <a:r>
+              <a:rPr lang="tr-TR" dirty="0"/>
+              <a:t>sanal bellek üç bölüme </a:t>
+            </a:r>
+            <a:r>
+              <a:rPr lang="tr-TR" dirty="0" smtClean="0"/>
+              <a:t>ayrılmıştır</a:t>
+            </a:r>
+          </a:p>
+          <a:p>
+            <a:pPr lvl="1"/>
+            <a:r>
+              <a:rPr lang="tr-TR" dirty="0" smtClean="0"/>
+              <a:t>10 bit </a:t>
+            </a:r>
+            <a:r>
+              <a:rPr lang="tr-TR" dirty="0"/>
+              <a:t>PT1, </a:t>
+            </a:r>
+            <a:r>
+              <a:rPr lang="tr-TR" dirty="0" smtClean="0"/>
+              <a:t>10 bit </a:t>
+            </a:r>
+            <a:r>
+              <a:rPr lang="tr-TR" dirty="0"/>
+              <a:t>PT2, </a:t>
+            </a:r>
+            <a:r>
+              <a:rPr lang="tr-TR" dirty="0" smtClean="0"/>
+              <a:t>12 bit ofset</a:t>
+            </a:r>
+          </a:p>
+          <a:p>
+            <a:r>
+              <a:rPr lang="tr-TR" dirty="0" smtClean="0"/>
+              <a:t>Çoklu seviye sayfa tablosu</a:t>
+            </a:r>
+          </a:p>
+          <a:p>
+            <a:pPr lvl="1"/>
+            <a:r>
+              <a:rPr lang="tr-TR" dirty="0" smtClean="0"/>
+              <a:t>Tüm </a:t>
+            </a:r>
+            <a:r>
+              <a:rPr lang="tr-TR" dirty="0"/>
+              <a:t>sayfa </a:t>
+            </a:r>
+            <a:r>
+              <a:rPr lang="tr-TR" dirty="0" smtClean="0"/>
+              <a:t>tablolarını daima bellekte tutmak gerekmez</a:t>
+            </a:r>
+          </a:p>
+          <a:p>
+            <a:pPr lvl="1"/>
+            <a:r>
+              <a:rPr lang="tr-TR" dirty="0" smtClean="0"/>
+              <a:t>Sayfa </a:t>
+            </a:r>
+            <a:r>
+              <a:rPr lang="tr-TR" dirty="0"/>
+              <a:t>tabloları da sayfalarda </a:t>
+            </a:r>
+            <a:r>
+              <a:rPr lang="tr-TR" dirty="0" smtClean="0"/>
+              <a:t>saklanır</a:t>
+            </a:r>
+          </a:p>
+          <a:p>
+            <a:pPr lvl="1"/>
+            <a:r>
+              <a:rPr lang="tr-TR" dirty="0" smtClean="0"/>
+              <a:t>Örnek</a:t>
+            </a:r>
+            <a:r>
+              <a:rPr lang="tr-TR" dirty="0"/>
+              <a:t>: bir </a:t>
+            </a:r>
+            <a:r>
+              <a:rPr lang="tr-TR" dirty="0" smtClean="0"/>
+              <a:t>program </a:t>
+            </a:r>
+            <a:r>
+              <a:rPr lang="tr-TR" dirty="0"/>
+              <a:t>4G adres </a:t>
+            </a:r>
+            <a:r>
+              <a:rPr lang="tr-TR" dirty="0" smtClean="0"/>
+              <a:t>alanına sahiptir, koşmak için </a:t>
+            </a:r>
+            <a:r>
+              <a:rPr lang="tr-TR" dirty="0"/>
+              <a:t>12M'ye </a:t>
+            </a:r>
+            <a:r>
+              <a:rPr lang="tr-TR" dirty="0" smtClean="0"/>
+              <a:t>ihtiyaç duyar: </a:t>
+            </a:r>
+            <a:r>
+              <a:rPr lang="tr-TR" dirty="0"/>
+              <a:t>4M </a:t>
+            </a:r>
+            <a:r>
+              <a:rPr lang="tr-TR" dirty="0" smtClean="0"/>
+              <a:t>kod</a:t>
+            </a:r>
+            <a:r>
+              <a:rPr lang="tr-TR" dirty="0"/>
+              <a:t>,</a:t>
+            </a:r>
+            <a:r>
+              <a:rPr lang="tr-TR" dirty="0" smtClean="0"/>
+              <a:t> 4M veri, 4M yığın için</a:t>
+            </a:r>
             <a:endParaRPr lang="tr-TR" dirty="0"/>
           </a:p>
         </p:txBody>
@@ -7110,7 +8018,7 @@
     </p:spTree>
     <p:extLst>
       <p:ext uri="{BB962C8B-B14F-4D97-AF65-F5344CB8AC3E}">
-        <p14:creationId xmlns:p14="http://schemas.microsoft.com/office/powerpoint/2010/main" val="1205557531"/>
+        <p14:creationId xmlns:p14="http://schemas.microsoft.com/office/powerpoint/2010/main" val="1361452692"/>
       </p:ext>
     </p:extLst>
   </p:cSld>
@@ -7161,7 +8069,7 @@
           <a:p>
             <a:r>
               <a:rPr lang="tr-TR" dirty="0" smtClean="0"/>
-              <a:t>Sanal Bellek - Sayfalama</a:t>
+              <a:t>Çoklu Seviye Sayfa Tablosu</a:t>
             </a:r>
             <a:endParaRPr lang="tr-TR" dirty="0"/>
           </a:p>
@@ -7182,14 +8090,107 @@
           <a:bodyPr/>
           <a:lstStyle/>
           <a:p>
+            <a:pPr marL="514350" indent="-514350">
+              <a:buAutoNum type="alphaLcParenBoth"/>
+            </a:pPr>
+            <a:r>
+              <a:rPr lang="tr-TR" dirty="0" smtClean="0"/>
+              <a:t>İki </a:t>
+            </a:r>
+            <a:r>
+              <a:rPr lang="tr-TR" dirty="0"/>
+              <a:t>sayfa tablo alanına sahip 32 </a:t>
+            </a:r>
+            <a:endParaRPr lang="tr-TR" dirty="0" smtClean="0"/>
+          </a:p>
+          <a:p>
+            <a:pPr marL="0" indent="0">
+              <a:buNone/>
+            </a:pPr>
+            <a:r>
+              <a:rPr lang="tr-TR" dirty="0" smtClean="0"/>
+              <a:t>bitlik </a:t>
+            </a:r>
+            <a:r>
+              <a:rPr lang="tr-TR" dirty="0"/>
+              <a:t>bir adres. </a:t>
+            </a:r>
+            <a:endParaRPr lang="tr-TR" dirty="0" smtClean="0"/>
+          </a:p>
+          <a:p>
+            <a:pPr marL="0" indent="0">
+              <a:buNone/>
+            </a:pPr>
+            <a:r>
+              <a:rPr lang="tr-TR" dirty="0" smtClean="0"/>
+              <a:t>(</a:t>
+            </a:r>
+            <a:r>
+              <a:rPr lang="tr-TR" dirty="0"/>
+              <a:t>b) İki seviyeli sayfa tabloları.</a:t>
+            </a:r>
             <a:endParaRPr lang="tr-TR" dirty="0"/>
           </a:p>
         </p:txBody>
       </p:sp>
+      <p:pic>
+        <p:nvPicPr>
+          <p:cNvPr id="4" name="Picture 6" descr="03-13"/>
+          <p:cNvPicPr>
+            <a:picLocks noChangeAspect="1" noChangeArrowheads="1"/>
+          </p:cNvPicPr>
+          <p:nvPr/>
+        </p:nvPicPr>
+        <p:blipFill>
+          <a:blip r:embed="rId2">
+            <a:extLst>
+              <a:ext uri="{28A0092B-C50C-407E-A947-70E740481C1C}">
+                <a14:useLocalDpi xmlns:a14="http://schemas.microsoft.com/office/drawing/2010/main" val="0"/>
+              </a:ext>
+            </a:extLst>
+          </a:blip>
+          <a:srcRect/>
+          <a:stretch>
+            <a:fillRect/>
+          </a:stretch>
+        </p:blipFill>
+        <p:spPr bwMode="auto">
+          <a:xfrm>
+            <a:off x="6413863" y="1261546"/>
+            <a:ext cx="5245463" cy="5382005"/>
+          </a:xfrm>
+          <a:prstGeom prst="rect">
+            <a:avLst/>
+          </a:prstGeom>
+          <a:noFill/>
+          <a:ln>
+            <a:noFill/>
+          </a:ln>
+          <a:extLst>
+            <a:ext uri="{909E8E84-426E-40DD-AFC4-6F175D3DCCD1}">
+              <a14:hiddenFill xmlns:a14="http://schemas.microsoft.com/office/drawing/2010/main">
+                <a:solidFill>
+                  <a:srgbClr val="FFFFFF"/>
+                </a:solidFill>
+              </a14:hiddenFill>
+            </a:ext>
+            <a:ext uri="{91240B29-F687-4F45-9708-019B960494DF}">
+              <a14:hiddenLine xmlns:a14="http://schemas.microsoft.com/office/drawing/2010/main" w="9525">
+                <a:solidFill>
+                  <a:srgbClr val="000000"/>
+                </a:solidFill>
+                <a:miter lim="800000"/>
+                <a:headEnd/>
+                <a:tailEnd/>
+              </a14:hiddenLine>
+            </a:ext>
+          </a:extLst>
+        </p:spPr>
+      </p:pic>
     </p:spTree>
     <p:extLst>
       <p:ext uri="{BB962C8B-B14F-4D97-AF65-F5344CB8AC3E}">
-        <p14:creationId xmlns:p14="http://schemas.microsoft.com/office/powerpoint/2010/main" val="1213825073"/>
+        <p14:creationId xmlns:p14="http://schemas.microsoft.com/office/powerpoint/2010/main" val="1327737706"/>
       </p:ext>
     </p:extLst>
   </p:cSld>
@@ -7268,7 +8269,7 @@
     </p:spTree>
     <p:extLst>
       <p:ext uri="{BB962C8B-B14F-4D97-AF65-F5344CB8AC3E}">
-        <p14:creationId xmlns:p14="http://schemas.microsoft.com/office/powerpoint/2010/main" val="1950396423"/>
+        <p14:creationId xmlns:p14="http://schemas.microsoft.com/office/powerpoint/2010/main" val="1205557531"/>
       </p:ext>
     </p:extLst>
   </p:cSld>
@@ -7347,7 +8348,7 @@
     </p:spTree>
     <p:extLst>
       <p:ext uri="{BB962C8B-B14F-4D97-AF65-F5344CB8AC3E}">
-        <p14:creationId xmlns:p14="http://schemas.microsoft.com/office/powerpoint/2010/main" val="901738558"/>
+        <p14:creationId xmlns:p14="http://schemas.microsoft.com/office/powerpoint/2010/main" val="1213825073"/>
       </p:ext>
     </p:extLst>
   </p:cSld>
@@ -7426,7 +8427,7 @@
     </p:spTree>
     <p:extLst>
       <p:ext uri="{BB962C8B-B14F-4D97-AF65-F5344CB8AC3E}">
-        <p14:creationId xmlns:p14="http://schemas.microsoft.com/office/powerpoint/2010/main" val="575992358"/>
+        <p14:creationId xmlns:p14="http://schemas.microsoft.com/office/powerpoint/2010/main" val="1950396423"/>
       </p:ext>
     </p:extLst>
   </p:cSld>
@@ -7505,7 +8506,7 @@
     </p:spTree>
     <p:extLst>
       <p:ext uri="{BB962C8B-B14F-4D97-AF65-F5344CB8AC3E}">
-        <p14:creationId xmlns:p14="http://schemas.microsoft.com/office/powerpoint/2010/main" val="3157781029"/>
+        <p14:creationId xmlns:p14="http://schemas.microsoft.com/office/powerpoint/2010/main" val="901738558"/>
       </p:ext>
     </p:extLst>
   </p:cSld>
@@ -7736,7 +8737,7 @@
     </p:spTree>
     <p:extLst>
       <p:ext uri="{BB962C8B-B14F-4D97-AF65-F5344CB8AC3E}">
-        <p14:creationId xmlns:p14="http://schemas.microsoft.com/office/powerpoint/2010/main" val="3055892401"/>
+        <p14:creationId xmlns:p14="http://schemas.microsoft.com/office/powerpoint/2010/main" val="575992358"/>
       </p:ext>
     </p:extLst>
   </p:cSld>
@@ -7815,7 +8816,7 @@
     </p:spTree>
     <p:extLst>
       <p:ext uri="{BB962C8B-B14F-4D97-AF65-F5344CB8AC3E}">
-        <p14:creationId xmlns:p14="http://schemas.microsoft.com/office/powerpoint/2010/main" val="2662822438"/>
+        <p14:creationId xmlns:p14="http://schemas.microsoft.com/office/powerpoint/2010/main" val="3157781029"/>
       </p:ext>
     </p:extLst>
   </p:cSld>
@@ -7894,7 +8895,7 @@
     </p:spTree>
     <p:extLst>
       <p:ext uri="{BB962C8B-B14F-4D97-AF65-F5344CB8AC3E}">
-        <p14:creationId xmlns:p14="http://schemas.microsoft.com/office/powerpoint/2010/main" val="2237735222"/>
+        <p14:creationId xmlns:p14="http://schemas.microsoft.com/office/powerpoint/2010/main" val="3055892401"/>
       </p:ext>
     </p:extLst>
   </p:cSld>
@@ -7973,7 +8974,7 @@
     </p:spTree>
     <p:extLst>
       <p:ext uri="{BB962C8B-B14F-4D97-AF65-F5344CB8AC3E}">
-        <p14:creationId xmlns:p14="http://schemas.microsoft.com/office/powerpoint/2010/main" val="1346035489"/>
+        <p14:creationId xmlns:p14="http://schemas.microsoft.com/office/powerpoint/2010/main" val="2662822438"/>
       </p:ext>
     </p:extLst>
   </p:cSld>
@@ -8052,7 +9053,7 @@
     </p:spTree>
     <p:extLst>
       <p:ext uri="{BB962C8B-B14F-4D97-AF65-F5344CB8AC3E}">
-        <p14:creationId xmlns:p14="http://schemas.microsoft.com/office/powerpoint/2010/main" val="1172130358"/>
+        <p14:creationId xmlns:p14="http://schemas.microsoft.com/office/powerpoint/2010/main" val="2237735222"/>
       </p:ext>
     </p:extLst>
   </p:cSld>
@@ -8131,7 +9132,7 @@
     </p:spTree>
     <p:extLst>
       <p:ext uri="{BB962C8B-B14F-4D97-AF65-F5344CB8AC3E}">
-        <p14:creationId xmlns:p14="http://schemas.microsoft.com/office/powerpoint/2010/main" val="622652727"/>
+        <p14:creationId xmlns:p14="http://schemas.microsoft.com/office/powerpoint/2010/main" val="1346035489"/>
       </p:ext>
     </p:extLst>
   </p:cSld>
@@ -8210,7 +9211,7 @@
     </p:spTree>
     <p:extLst>
       <p:ext uri="{BB962C8B-B14F-4D97-AF65-F5344CB8AC3E}">
-        <p14:creationId xmlns:p14="http://schemas.microsoft.com/office/powerpoint/2010/main" val="2051573168"/>
+        <p14:creationId xmlns:p14="http://schemas.microsoft.com/office/powerpoint/2010/main" val="1172130358"/>
       </p:ext>
     </p:extLst>
   </p:cSld>
@@ -8289,7 +9290,7 @@
     </p:spTree>
     <p:extLst>
       <p:ext uri="{BB962C8B-B14F-4D97-AF65-F5344CB8AC3E}">
-        <p14:creationId xmlns:p14="http://schemas.microsoft.com/office/powerpoint/2010/main" val="2911103565"/>
+        <p14:creationId xmlns:p14="http://schemas.microsoft.com/office/powerpoint/2010/main" val="622652727"/>
       </p:ext>
     </p:extLst>
   </p:cSld>
@@ -8368,7 +9369,7 @@
     </p:spTree>
     <p:extLst>
       <p:ext uri="{BB962C8B-B14F-4D97-AF65-F5344CB8AC3E}">
-        <p14:creationId xmlns:p14="http://schemas.microsoft.com/office/powerpoint/2010/main" val="2668455951"/>
+        <p14:creationId xmlns:p14="http://schemas.microsoft.com/office/powerpoint/2010/main" val="2051573168"/>
       </p:ext>
     </p:extLst>
   </p:cSld>
@@ -8447,7 +9448,7 @@
     </p:spTree>
     <p:extLst>
       <p:ext uri="{BB962C8B-B14F-4D97-AF65-F5344CB8AC3E}">
-        <p14:creationId xmlns:p14="http://schemas.microsoft.com/office/powerpoint/2010/main" val="755567675"/>
+        <p14:creationId xmlns:p14="http://schemas.microsoft.com/office/powerpoint/2010/main" val="2911103565"/>
       </p:ext>
     </p:extLst>
   </p:cSld>
@@ -8580,7 +9581,6 @@
               <a:rPr lang="tr-TR" dirty="0"/>
               <a:t>.</a:t>
             </a:r>
-            <a:endParaRPr lang="tr-TR" dirty="0"/>
           </a:p>
         </p:txBody>
       </p:sp>
@@ -8666,7 +9666,7 @@
     </p:spTree>
     <p:extLst>
       <p:ext uri="{BB962C8B-B14F-4D97-AF65-F5344CB8AC3E}">
-        <p14:creationId xmlns:p14="http://schemas.microsoft.com/office/powerpoint/2010/main" val="1313046043"/>
+        <p14:creationId xmlns:p14="http://schemas.microsoft.com/office/powerpoint/2010/main" val="2668455951"/>
       </p:ext>
     </p:extLst>
   </p:cSld>
@@ -8745,7 +9745,7 @@
     </p:spTree>
     <p:extLst>
       <p:ext uri="{BB962C8B-B14F-4D97-AF65-F5344CB8AC3E}">
-        <p14:creationId xmlns:p14="http://schemas.microsoft.com/office/powerpoint/2010/main" val="3072786075"/>
+        <p14:creationId xmlns:p14="http://schemas.microsoft.com/office/powerpoint/2010/main" val="755567675"/>
       </p:ext>
     </p:extLst>
   </p:cSld>
@@ -8824,7 +9824,7 @@
     </p:spTree>
     <p:extLst>
       <p:ext uri="{BB962C8B-B14F-4D97-AF65-F5344CB8AC3E}">
-        <p14:creationId xmlns:p14="http://schemas.microsoft.com/office/powerpoint/2010/main" val="1164400359"/>
+        <p14:creationId xmlns:p14="http://schemas.microsoft.com/office/powerpoint/2010/main" val="1313046043"/>
       </p:ext>
     </p:extLst>
   </p:cSld>
@@ -8903,6 +9903,164 @@
     </p:spTree>
     <p:extLst>
       <p:ext uri="{BB962C8B-B14F-4D97-AF65-F5344CB8AC3E}">
+        <p14:creationId xmlns:p14="http://schemas.microsoft.com/office/powerpoint/2010/main" val="3072786075"/>
+      </p:ext>
+    </p:extLst>
+  </p:cSld>
+  <p:clrMapOvr>
+    <a:masterClrMapping/>
+  </p:clrMapOvr>
+  <p:timing>
+    <p:tnLst>
+      <p:par>
+        <p:cTn id="1" dur="indefinite" restart="never" nodeType="tmRoot"/>
+      </p:par>
+    </p:tnLst>
+  </p:timing>
+</p:sld>
+</file>
+
+<file path=ppt/slides/slide54.xml><?xml version="1.0" encoding="utf-8"?>
+<p:sld xmlns:a="http://schemas.openxmlformats.org/drawingml/2006/main" xmlns:r="http://schemas.openxmlformats.org/officeDocument/2006/relationships" xmlns:p="http://schemas.openxmlformats.org/presentationml/2006/main">
+  <p:cSld>
+    <p:spTree>
+      <p:nvGrpSpPr>
+        <p:cNvPr id="1" name=""/>
+        <p:cNvGrpSpPr/>
+        <p:nvPr/>
+      </p:nvGrpSpPr>
+      <p:grpSpPr>
+        <a:xfrm>
+          <a:off x="0" y="0"/>
+          <a:ext cx="0" cy="0"/>
+          <a:chOff x="0" y="0"/>
+          <a:chExt cx="0" cy="0"/>
+        </a:xfrm>
+      </p:grpSpPr>
+      <p:sp>
+        <p:nvSpPr>
+          <p:cNvPr id="2" name="Title 1"/>
+          <p:cNvSpPr>
+            <a:spLocks noGrp="1"/>
+          </p:cNvSpPr>
+          <p:nvPr>
+            <p:ph type="title"/>
+          </p:nvPr>
+        </p:nvSpPr>
+        <p:spPr/>
+        <p:txBody>
+          <a:bodyPr/>
+          <a:lstStyle/>
+          <a:p>
+            <a:r>
+              <a:rPr lang="tr-TR" dirty="0" smtClean="0"/>
+              <a:t>Sanal Bellek - Sayfalama</a:t>
+            </a:r>
+            <a:endParaRPr lang="tr-TR" dirty="0"/>
+          </a:p>
+        </p:txBody>
+      </p:sp>
+      <p:sp>
+        <p:nvSpPr>
+          <p:cNvPr id="3" name="Content Placeholder 2"/>
+          <p:cNvSpPr>
+            <a:spLocks noGrp="1"/>
+          </p:cNvSpPr>
+          <p:nvPr>
+            <p:ph idx="1"/>
+          </p:nvPr>
+        </p:nvSpPr>
+        <p:spPr/>
+        <p:txBody>
+          <a:bodyPr/>
+          <a:lstStyle/>
+          <a:p>
+            <a:endParaRPr lang="tr-TR" dirty="0"/>
+          </a:p>
+        </p:txBody>
+      </p:sp>
+    </p:spTree>
+    <p:extLst>
+      <p:ext uri="{BB962C8B-B14F-4D97-AF65-F5344CB8AC3E}">
+        <p14:creationId xmlns:p14="http://schemas.microsoft.com/office/powerpoint/2010/main" val="1164400359"/>
+      </p:ext>
+    </p:extLst>
+  </p:cSld>
+  <p:clrMapOvr>
+    <a:masterClrMapping/>
+  </p:clrMapOvr>
+  <p:timing>
+    <p:tnLst>
+      <p:par>
+        <p:cTn id="1" dur="indefinite" restart="never" nodeType="tmRoot"/>
+      </p:par>
+    </p:tnLst>
+  </p:timing>
+</p:sld>
+</file>
+
+<file path=ppt/slides/slide55.xml><?xml version="1.0" encoding="utf-8"?>
+<p:sld xmlns:a="http://schemas.openxmlformats.org/drawingml/2006/main" xmlns:r="http://schemas.openxmlformats.org/officeDocument/2006/relationships" xmlns:p="http://schemas.openxmlformats.org/presentationml/2006/main">
+  <p:cSld>
+    <p:spTree>
+      <p:nvGrpSpPr>
+        <p:cNvPr id="1" name=""/>
+        <p:cNvGrpSpPr/>
+        <p:nvPr/>
+      </p:nvGrpSpPr>
+      <p:grpSpPr>
+        <a:xfrm>
+          <a:off x="0" y="0"/>
+          <a:ext cx="0" cy="0"/>
+          <a:chOff x="0" y="0"/>
+          <a:chExt cx="0" cy="0"/>
+        </a:xfrm>
+      </p:grpSpPr>
+      <p:sp>
+        <p:nvSpPr>
+          <p:cNvPr id="2" name="Title 1"/>
+          <p:cNvSpPr>
+            <a:spLocks noGrp="1"/>
+          </p:cNvSpPr>
+          <p:nvPr>
+            <p:ph type="title"/>
+          </p:nvPr>
+        </p:nvSpPr>
+        <p:spPr/>
+        <p:txBody>
+          <a:bodyPr/>
+          <a:lstStyle/>
+          <a:p>
+            <a:r>
+              <a:rPr lang="tr-TR" dirty="0" smtClean="0"/>
+              <a:t>Sanal Bellek - Sayfalama</a:t>
+            </a:r>
+            <a:endParaRPr lang="tr-TR" dirty="0"/>
+          </a:p>
+        </p:txBody>
+      </p:sp>
+      <p:sp>
+        <p:nvSpPr>
+          <p:cNvPr id="3" name="Content Placeholder 2"/>
+          <p:cNvSpPr>
+            <a:spLocks noGrp="1"/>
+          </p:cNvSpPr>
+          <p:nvPr>
+            <p:ph idx="1"/>
+          </p:nvPr>
+        </p:nvSpPr>
+        <p:spPr/>
+        <p:txBody>
+          <a:bodyPr/>
+          <a:lstStyle/>
+          <a:p>
+            <a:endParaRPr lang="tr-TR" dirty="0"/>
+          </a:p>
+        </p:txBody>
+      </p:sp>
+    </p:spTree>
+    <p:extLst>
+      <p:ext uri="{BB962C8B-B14F-4D97-AF65-F5344CB8AC3E}">
         <p14:creationId xmlns:p14="http://schemas.microsoft.com/office/powerpoint/2010/main" val="1276818484"/>
       </p:ext>
     </p:extLst>
@@ -8920,7 +10078,7 @@
 </p:sld>
 </file>
 
-<file path=ppt/slides/slide54.xml><?xml version="1.0" encoding="utf-8"?>
+<file path=ppt/slides/slide56.xml><?xml version="1.0" encoding="utf-8"?>
 <p:sld xmlns:a="http://schemas.openxmlformats.org/drawingml/2006/main" xmlns:r="http://schemas.openxmlformats.org/officeDocument/2006/relationships" xmlns:p="http://schemas.openxmlformats.org/presentationml/2006/main">
   <p:cSld>
     <p:spTree>

--- a/files/os/3_Bolum_3_Bellek.pptx
+++ b/files/os/3_Bolum_3_Bellek.pptx
@@ -8240,8 +8240,8 @@
           <a:lstStyle/>
           <a:p>
             <a:r>
-              <a:rPr lang="tr-TR" dirty="0" smtClean="0"/>
-              <a:t>Sanal Bellek - Sayfalama</a:t>
+              <a:rPr lang="tr-TR" dirty="0"/>
+              <a:t>Ters Sayfa Tablosu</a:t>
             </a:r>
             <a:endParaRPr lang="tr-TR" dirty="0"/>
           </a:p>
@@ -8262,6 +8262,79 @@
           <a:bodyPr/>
           <a:lstStyle/>
           <a:p>
+            <a:r>
+              <a:rPr lang="tr-TR" dirty="0"/>
+              <a:t>Sanal adres alanları fiziksel bellekten çok daha büyük </a:t>
+            </a:r>
+            <a:r>
+              <a:rPr lang="tr-TR" dirty="0" smtClean="0"/>
+              <a:t>olduğunda</a:t>
+            </a:r>
+          </a:p>
+          <a:p>
+            <a:r>
+              <a:rPr lang="tr-TR" dirty="0" smtClean="0"/>
+              <a:t>Ters </a:t>
+            </a:r>
+            <a:r>
+              <a:rPr lang="tr-TR" dirty="0"/>
+              <a:t>sayfa tablosu: </a:t>
+            </a:r>
+            <a:r>
+              <a:rPr lang="tr-TR" dirty="0" smtClean="0"/>
+              <a:t>sayfa </a:t>
+            </a:r>
+            <a:r>
+              <a:rPr lang="tr-TR" dirty="0"/>
+              <a:t>yerine sayfa çerçevesi başına </a:t>
+            </a:r>
+            <a:r>
+              <a:rPr lang="tr-TR" dirty="0" smtClean="0"/>
+              <a:t>eleman</a:t>
+            </a:r>
+          </a:p>
+          <a:p>
+            <a:r>
+              <a:rPr lang="tr-TR" dirty="0" smtClean="0"/>
+              <a:t>Arama </a:t>
+            </a:r>
+            <a:r>
+              <a:rPr lang="tr-TR" dirty="0"/>
+              <a:t>çok daha </a:t>
+            </a:r>
+            <a:r>
+              <a:rPr lang="tr-TR" dirty="0" smtClean="0"/>
+              <a:t>zor</a:t>
+            </a:r>
+          </a:p>
+          <a:p>
+            <a:pPr lvl="1"/>
+            <a:r>
+              <a:rPr lang="tr-TR" dirty="0" smtClean="0"/>
+              <a:t>TLB</a:t>
+            </a:r>
+          </a:p>
+          <a:p>
+            <a:pPr lvl="1"/>
+            <a:r>
+              <a:rPr lang="tr-TR" dirty="0" err="1" smtClean="0"/>
+              <a:t>Hash</a:t>
+            </a:r>
+            <a:endParaRPr lang="tr-TR" dirty="0" smtClean="0"/>
+          </a:p>
+          <a:p>
+            <a:r>
+              <a:rPr lang="tr-TR" dirty="0" smtClean="0"/>
+              <a:t>Ters </a:t>
+            </a:r>
+            <a:r>
+              <a:rPr lang="tr-TR" dirty="0"/>
+              <a:t>sayfa tablosu 64 bit </a:t>
+            </a:r>
+            <a:r>
+              <a:rPr lang="tr-TR" dirty="0" smtClean="0"/>
+              <a:t>sistemlerde yaygındır</a:t>
+            </a:r>
             <a:endParaRPr lang="tr-TR" dirty="0"/>
           </a:p>
         </p:txBody>
@@ -8320,7 +8393,7 @@
           <a:p>
             <a:r>
               <a:rPr lang="tr-TR" dirty="0" smtClean="0"/>
-              <a:t>Sanal Bellek - Sayfalama</a:t>
+              <a:t>Geleneksel ve Test Sayfa Tablosu</a:t>
             </a:r>
             <a:endParaRPr lang="tr-TR" dirty="0"/>
           </a:p>
@@ -8341,10 +8414,68 @@
           <a:bodyPr/>
           <a:lstStyle/>
           <a:p>
+            <a:r>
+              <a:rPr lang="tr-TR" dirty="0" smtClean="0"/>
+              <a:t>.</a:t>
+            </a:r>
             <a:endParaRPr lang="tr-TR" dirty="0"/>
           </a:p>
         </p:txBody>
       </p:sp>
+      <p:pic>
+        <p:nvPicPr>
+          <p:cNvPr id="4" name="Picture 6" descr="03-14"/>
+          <p:cNvPicPr>
+            <a:picLocks noChangeAspect="1" noChangeArrowheads="1"/>
+          </p:cNvPicPr>
+          <p:nvPr/>
+        </p:nvPicPr>
+        <p:blipFill>
+          <a:blip r:embed="rId2">
+            <a:extLst>
+              <a:ext uri="{28A0092B-C50C-407E-A947-70E740481C1C}">
+                <a14:useLocalDpi xmlns:a14="http://schemas.microsoft.com/office/drawing/2010/main" val="0"/>
+              </a:ext>
+            </a:extLst>
+          </a:blip>
+          <a:srcRect/>
+          <a:stretch>
+            <a:fillRect/>
+          </a:stretch>
+        </p:blipFill>
+        <p:spPr bwMode="auto">
+          <a:xfrm>
+            <a:off x="2098242" y="1825625"/>
+            <a:ext cx="7995515" cy="3876721"/>
+          </a:xfrm>
+          <a:prstGeom prst="rect">
+            <a:avLst/>
+          </a:prstGeom>
+          <a:noFill/>
+          <a:ln>
+            <a:noFill/>
+          </a:ln>
+          <a:extLst>
+            <a:ext uri="{909E8E84-426E-40DD-AFC4-6F175D3DCCD1}">
+              <a14:hiddenFill xmlns:a14="http://schemas.microsoft.com/office/drawing/2010/main">
+                <a:solidFill>
+                  <a:srgbClr val="FFFFFF"/>
+                </a:solidFill>
+              </a14:hiddenFill>
+            </a:ext>
+            <a:ext uri="{91240B29-F687-4F45-9708-019B960494DF}">
+              <a14:hiddenLine xmlns:a14="http://schemas.microsoft.com/office/drawing/2010/main" w="9525">
+                <a:solidFill>
+                  <a:srgbClr val="000000"/>
+                </a:solidFill>
+                <a:miter lim="800000"/>
+                <a:headEnd/>
+                <a:tailEnd/>
+              </a14:hiddenLine>
+            </a:ext>
+          </a:extLst>
+        </p:spPr>
+      </p:pic>
     </p:spTree>
     <p:extLst>
       <p:ext uri="{BB962C8B-B14F-4D97-AF65-F5344CB8AC3E}">
@@ -8398,8 +8529,8 @@
           <a:lstStyle/>
           <a:p>
             <a:r>
-              <a:rPr lang="tr-TR" dirty="0" smtClean="0"/>
-              <a:t>Sanal Bellek - Sayfalama</a:t>
+              <a:rPr lang="tr-TR" dirty="0"/>
+              <a:t>Sayfa Değiştirme Algoritmaları</a:t>
             </a:r>
             <a:endParaRPr lang="tr-TR" dirty="0"/>
           </a:p>
@@ -8420,6 +8551,176 @@
           <a:bodyPr/>
           <a:lstStyle/>
           <a:p>
+            <a:r>
+              <a:rPr lang="tr-TR" dirty="0"/>
+              <a:t>Optimum </a:t>
+            </a:r>
+            <a:r>
+              <a:rPr lang="tr-TR" dirty="0" smtClean="0"/>
+              <a:t>(optimal)</a:t>
+            </a:r>
+          </a:p>
+          <a:p>
+            <a:r>
+              <a:rPr lang="tr-TR" dirty="0" smtClean="0"/>
+              <a:t>Yakın </a:t>
+            </a:r>
+            <a:r>
+              <a:rPr lang="tr-TR" dirty="0"/>
+              <a:t>zamanda kullanılmayan </a:t>
+            </a:r>
+            <a:r>
+              <a:rPr lang="tr-TR" dirty="0" smtClean="0"/>
+              <a:t>(not </a:t>
+            </a:r>
+            <a:r>
+              <a:rPr lang="tr-TR" dirty="0" err="1" smtClean="0"/>
+              <a:t>recently</a:t>
+            </a:r>
+            <a:r>
+              <a:rPr lang="tr-TR" dirty="0" smtClean="0"/>
+              <a:t> </a:t>
+            </a:r>
+            <a:r>
+              <a:rPr lang="tr-TR" dirty="0" err="1" smtClean="0"/>
+              <a:t>used</a:t>
+            </a:r>
+            <a:r>
+              <a:rPr lang="tr-TR" dirty="0" smtClean="0"/>
+              <a:t>)</a:t>
+            </a:r>
+          </a:p>
+          <a:p>
+            <a:r>
+              <a:rPr lang="tr-TR" dirty="0" smtClean="0"/>
+              <a:t>İlk </a:t>
+            </a:r>
+            <a:r>
+              <a:rPr lang="tr-TR" dirty="0"/>
+              <a:t>Giren İlk Çıkar </a:t>
+            </a:r>
+            <a:r>
+              <a:rPr lang="tr-TR" dirty="0" smtClean="0"/>
+              <a:t>(</a:t>
+            </a:r>
+            <a:r>
+              <a:rPr lang="tr-TR" dirty="0" err="1" smtClean="0"/>
+              <a:t>first</a:t>
+            </a:r>
+            <a:r>
+              <a:rPr lang="tr-TR" dirty="0" smtClean="0"/>
+              <a:t>-in </a:t>
+            </a:r>
+            <a:r>
+              <a:rPr lang="tr-TR" dirty="0" err="1" smtClean="0"/>
+              <a:t>first-out</a:t>
+            </a:r>
+            <a:r>
+              <a:rPr lang="tr-TR" dirty="0" smtClean="0"/>
+              <a:t>)</a:t>
+            </a:r>
+          </a:p>
+          <a:p>
+            <a:r>
+              <a:rPr lang="tr-TR" dirty="0" smtClean="0"/>
+              <a:t>İkinci </a:t>
+            </a:r>
+            <a:r>
+              <a:rPr lang="tr-TR" dirty="0"/>
+              <a:t>şans </a:t>
+            </a:r>
+            <a:r>
+              <a:rPr lang="tr-TR" dirty="0" smtClean="0"/>
+              <a:t>(</a:t>
+            </a:r>
+            <a:r>
+              <a:rPr lang="tr-TR" dirty="0" err="1" smtClean="0"/>
+              <a:t>second</a:t>
+            </a:r>
+            <a:r>
+              <a:rPr lang="tr-TR" dirty="0" smtClean="0"/>
+              <a:t> </a:t>
+            </a:r>
+            <a:r>
+              <a:rPr lang="tr-TR" dirty="0" err="1" smtClean="0"/>
+              <a:t>chance</a:t>
+            </a:r>
+            <a:r>
+              <a:rPr lang="tr-TR" dirty="0" smtClean="0"/>
+              <a:t>)</a:t>
+            </a:r>
+          </a:p>
+          <a:p>
+            <a:r>
+              <a:rPr lang="tr-TR" dirty="0" smtClean="0"/>
+              <a:t>Saat (</a:t>
+            </a:r>
+            <a:r>
+              <a:rPr lang="tr-TR" dirty="0" err="1" smtClean="0"/>
+              <a:t>clock</a:t>
+            </a:r>
+            <a:r>
+              <a:rPr lang="tr-TR" dirty="0" smtClean="0"/>
+              <a:t>)</a:t>
+            </a:r>
+          </a:p>
+          <a:p>
+            <a:r>
+              <a:rPr lang="tr-TR" dirty="0" smtClean="0"/>
+              <a:t>En </a:t>
+            </a:r>
+            <a:r>
+              <a:rPr lang="tr-TR" dirty="0"/>
+              <a:t>son kullanılan </a:t>
+            </a:r>
+            <a:r>
+              <a:rPr lang="tr-TR" dirty="0" smtClean="0"/>
+              <a:t>(</a:t>
+            </a:r>
+            <a:r>
+              <a:rPr lang="tr-TR" dirty="0" err="1" smtClean="0"/>
+              <a:t>least</a:t>
+            </a:r>
+            <a:r>
+              <a:rPr lang="tr-TR" dirty="0" smtClean="0"/>
+              <a:t> </a:t>
+            </a:r>
+            <a:r>
+              <a:rPr lang="tr-TR" dirty="0" err="1" smtClean="0"/>
+              <a:t>recently</a:t>
+            </a:r>
+            <a:r>
+              <a:rPr lang="tr-TR" dirty="0" smtClean="0"/>
+              <a:t> </a:t>
+            </a:r>
+            <a:r>
+              <a:rPr lang="tr-TR" dirty="0" err="1" smtClean="0"/>
+              <a:t>used</a:t>
+            </a:r>
+            <a:r>
+              <a:rPr lang="tr-TR" dirty="0" smtClean="0"/>
+              <a:t>)</a:t>
+            </a:r>
+          </a:p>
+          <a:p>
+            <a:r>
+              <a:rPr lang="tr-TR" dirty="0" smtClean="0"/>
+              <a:t>Çalışma kümesi (</a:t>
+            </a:r>
+            <a:r>
+              <a:rPr lang="tr-TR" dirty="0" err="1" smtClean="0"/>
+              <a:t>working</a:t>
+            </a:r>
+            <a:r>
+              <a:rPr lang="tr-TR" dirty="0" smtClean="0"/>
+              <a:t> set)</a:t>
+            </a:r>
+          </a:p>
+          <a:p>
+            <a:r>
+              <a:rPr lang="tr-TR" dirty="0" err="1" smtClean="0"/>
+              <a:t>WSClock</a:t>
+            </a:r>
             <a:endParaRPr lang="tr-TR" dirty="0"/>
           </a:p>
         </p:txBody>

--- a/files/os/3_Bolum_3_Bellek.pptx
+++ b/files/os/3_Bolum_3_Bellek.pptx
@@ -299,7 +299,7 @@
             <a:fld id="{B61BEF0D-F0BB-DE4B-95CE-6DB70DBA9567}" type="datetimeFigureOut">
               <a:rPr lang="en-US" smtClean="0"/>
               <a:pPr/>
-              <a:t>1/20/2023</a:t>
+              <a:t>1/21/2023</a:t>
             </a:fld>
             <a:endParaRPr lang="en-US" dirty="0"/>
           </a:p>
@@ -471,7 +471,7 @@
             <a:fld id="{B61BEF0D-F0BB-DE4B-95CE-6DB70DBA9567}" type="datetimeFigureOut">
               <a:rPr lang="en-US" smtClean="0"/>
               <a:pPr/>
-              <a:t>1/20/2023</a:t>
+              <a:t>1/21/2023</a:t>
             </a:fld>
             <a:endParaRPr lang="en-US" dirty="0"/>
           </a:p>
@@ -653,7 +653,7 @@
             <a:fld id="{B61BEF0D-F0BB-DE4B-95CE-6DB70DBA9567}" type="datetimeFigureOut">
               <a:rPr lang="en-US" smtClean="0"/>
               <a:pPr/>
-              <a:t>1/20/2023</a:t>
+              <a:t>1/21/2023</a:t>
             </a:fld>
             <a:endParaRPr lang="en-US" dirty="0"/>
           </a:p>
@@ -745,10 +745,18 @@
         <p:spPr/>
         <p:txBody>
           <a:bodyPr/>
-          <a:lstStyle/>
-          <a:p>
-            <a:r>
-              <a:rPr lang="en-US" smtClean="0"/>
+          <a:lstStyle>
+            <a:lvl1pPr>
+              <a:defRPr b="1">
+                <a:solidFill>
+                  <a:srgbClr val="0070C0"/>
+                </a:solidFill>
+              </a:defRPr>
+            </a:lvl1pPr>
+          </a:lstStyle>
+          <a:p>
+            <a:r>
+              <a:rPr lang="en-US" dirty="0" smtClean="0"/>
               <a:t>Click to edit Master title style</a:t>
             </a:r>
             <a:endParaRPr lang="en-US" dirty="0"/>
@@ -768,39 +776,46 @@
         <p:spPr/>
         <p:txBody>
           <a:bodyPr/>
-          <a:lstStyle/>
+          <a:lstStyle>
+            <a:lvl2pPr>
+              <a:defRPr sz="2400"/>
+            </a:lvl2pPr>
+            <a:lvl3pPr>
+              <a:defRPr sz="2400"/>
+            </a:lvl3pPr>
+          </a:lstStyle>
           <a:p>
             <a:pPr lvl="0"/>
             <a:r>
-              <a:rPr lang="en-US" smtClean="0"/>
+              <a:rPr lang="en-US" dirty="0" smtClean="0"/>
               <a:t>Click to edit Master text styles</a:t>
             </a:r>
           </a:p>
           <a:p>
             <a:pPr lvl="1"/>
             <a:r>
-              <a:rPr lang="en-US" smtClean="0"/>
+              <a:rPr lang="en-US" dirty="0" smtClean="0"/>
               <a:t>Second level</a:t>
             </a:r>
           </a:p>
           <a:p>
             <a:pPr lvl="2"/>
             <a:r>
-              <a:rPr lang="en-US" smtClean="0"/>
+              <a:rPr lang="en-US" dirty="0" smtClean="0"/>
               <a:t>Third level</a:t>
             </a:r>
           </a:p>
           <a:p>
             <a:pPr lvl="3"/>
             <a:r>
-              <a:rPr lang="en-US" smtClean="0"/>
+              <a:rPr lang="en-US" dirty="0" smtClean="0"/>
               <a:t>Fourth level</a:t>
             </a:r>
           </a:p>
           <a:p>
             <a:pPr lvl="4"/>
             <a:r>
-              <a:rPr lang="en-US" smtClean="0"/>
+              <a:rPr lang="en-US" dirty="0" smtClean="0"/>
               <a:t>Fifth level</a:t>
             </a:r>
             <a:endParaRPr lang="en-US" dirty="0"/>
@@ -825,7 +840,7 @@
             <a:fld id="{B61BEF0D-F0BB-DE4B-95CE-6DB70DBA9567}" type="datetimeFigureOut">
               <a:rPr lang="en-US" smtClean="0"/>
               <a:pPr/>
-              <a:t>1/20/2023</a:t>
+              <a:t>1/21/2023</a:t>
             </a:fld>
             <a:endParaRPr lang="en-US" dirty="0"/>
           </a:p>
@@ -884,6 +899,13 @@
   <p:clrMapOvr>
     <a:masterClrMapping/>
   </p:clrMapOvr>
+  <p:timing>
+    <p:tnLst>
+      <p:par>
+        <p:cTn id="1" dur="indefinite" restart="never" nodeType="tmRoot"/>
+      </p:par>
+    </p:tnLst>
+  </p:timing>
 </p:sldLayout>
 </file>
 
@@ -1073,7 +1095,7 @@
             <a:fld id="{B61BEF0D-F0BB-DE4B-95CE-6DB70DBA9567}" type="datetimeFigureOut">
               <a:rPr lang="en-US" smtClean="0"/>
               <a:pPr/>
-              <a:t>1/20/2023</a:t>
+              <a:t>1/21/2023</a:t>
             </a:fld>
             <a:endParaRPr lang="en-US" dirty="0"/>
           </a:p>
@@ -1307,7 +1329,7 @@
             <a:fld id="{B61BEF0D-F0BB-DE4B-95CE-6DB70DBA9567}" type="datetimeFigureOut">
               <a:rPr lang="en-US" smtClean="0"/>
               <a:pPr/>
-              <a:t>1/20/2023</a:t>
+              <a:t>1/21/2023</a:t>
             </a:fld>
             <a:endParaRPr lang="en-US" dirty="0"/>
           </a:p>
@@ -1676,7 +1698,7 @@
             <a:fld id="{B61BEF0D-F0BB-DE4B-95CE-6DB70DBA9567}" type="datetimeFigureOut">
               <a:rPr lang="en-US" smtClean="0"/>
               <a:pPr/>
-              <a:t>1/20/2023</a:t>
+              <a:t>1/21/2023</a:t>
             </a:fld>
             <a:endParaRPr lang="en-US" dirty="0"/>
           </a:p>
@@ -1796,7 +1818,7 @@
             <a:fld id="{B61BEF0D-F0BB-DE4B-95CE-6DB70DBA9567}" type="datetimeFigureOut">
               <a:rPr lang="en-US" smtClean="0"/>
               <a:pPr/>
-              <a:t>1/20/2023</a:t>
+              <a:t>1/21/2023</a:t>
             </a:fld>
             <a:endParaRPr lang="en-US" dirty="0"/>
           </a:p>
@@ -1893,7 +1915,7 @@
             <a:fld id="{B61BEF0D-F0BB-DE4B-95CE-6DB70DBA9567}" type="datetimeFigureOut">
               <a:rPr lang="en-US" smtClean="0"/>
               <a:pPr/>
-              <a:t>1/20/2023</a:t>
+              <a:t>1/21/2023</a:t>
             </a:fld>
             <a:endParaRPr lang="en-US" dirty="0"/>
           </a:p>
@@ -2172,7 +2194,7 @@
             <a:fld id="{B61BEF0D-F0BB-DE4B-95CE-6DB70DBA9567}" type="datetimeFigureOut">
               <a:rPr lang="en-US" smtClean="0"/>
               <a:pPr/>
-              <a:t>1/20/2023</a:t>
+              <a:t>1/21/2023</a:t>
             </a:fld>
             <a:endParaRPr lang="en-US" dirty="0"/>
           </a:p>
@@ -2431,7 +2453,7 @@
             <a:fld id="{B61BEF0D-F0BB-DE4B-95CE-6DB70DBA9567}" type="datetimeFigureOut">
               <a:rPr lang="en-US" smtClean="0"/>
               <a:pPr/>
-              <a:t>1/20/2023</a:t>
+              <a:t>1/21/2023</a:t>
             </a:fld>
             <a:endParaRPr lang="en-US" dirty="0"/>
           </a:p>
@@ -2646,7 +2668,7 @@
             <a:fld id="{B61BEF0D-F0BB-DE4B-95CE-6DB70DBA9567}" type="datetimeFigureOut">
               <a:rPr lang="en-US" smtClean="0"/>
               <a:pPr/>
-              <a:t>1/20/2023</a:t>
+              <a:t>1/21/2023</a:t>
             </a:fld>
             <a:endParaRPr lang="en-US" dirty="0"/>
           </a:p>
@@ -4484,7 +4506,7 @@
         <p:spPr/>
         <p:txBody>
           <a:bodyPr>
-            <a:normAutofit lnSpcReduction="10000"/>
+            <a:normAutofit fontScale="92500" lnSpcReduction="10000"/>
           </a:bodyPr>
           <a:lstStyle/>
           <a:p>
@@ -4756,7 +4778,9 @@
         </p:nvSpPr>
         <p:spPr/>
         <p:txBody>
-          <a:bodyPr/>
+          <a:bodyPr>
+            <a:normAutofit/>
+          </a:bodyPr>
           <a:lstStyle/>
           <a:p>
             <a:r>
@@ -6557,7 +6581,6 @@
               <a:rPr lang="tr-TR" dirty="0"/>
               <a:t>bir bellek erişimi gerçekleştirmek için kaç bellek erişimi gerekir?</a:t>
             </a:r>
-            <a:endParaRPr lang="tr-TR" dirty="0"/>
           </a:p>
         </p:txBody>
       </p:sp>
@@ -8129,7 +8152,6 @@
               <a:rPr lang="tr-TR" dirty="0"/>
               <a:t>b) İki seviyeli sayfa tabloları.</a:t>
             </a:r>
-            <a:endParaRPr lang="tr-TR" dirty="0"/>
           </a:p>
         </p:txBody>
       </p:sp>
@@ -8243,7 +8265,6 @@
               <a:rPr lang="tr-TR" dirty="0"/>
               <a:t>Ters Sayfa Tablosu</a:t>
             </a:r>
-            <a:endParaRPr lang="tr-TR" dirty="0"/>
           </a:p>
         </p:txBody>
       </p:sp>
@@ -8532,7 +8553,6 @@
               <a:rPr lang="tr-TR" dirty="0"/>
               <a:t>Sayfa Değiştirme Algoritmaları</a:t>
             </a:r>
-            <a:endParaRPr lang="tr-TR" dirty="0"/>
           </a:p>
         </p:txBody>
       </p:sp>
@@ -8778,8 +8798,12 @@
           <a:lstStyle/>
           <a:p>
             <a:r>
-              <a:rPr lang="tr-TR" dirty="0" smtClean="0"/>
-              <a:t>Sanal Bellek - Sayfalama</a:t>
+              <a:rPr lang="tr-TR" dirty="0"/>
+              <a:t>Sayfa </a:t>
+            </a:r>
+            <a:r>
+              <a:rPr lang="tr-TR" dirty="0" smtClean="0"/>
+              <a:t>Hatasının Etkisi</a:t>
             </a:r>
             <a:endParaRPr lang="tr-TR" dirty="0"/>
           </a:p>
@@ -8800,6 +8824,211 @@
           <a:bodyPr/>
           <a:lstStyle/>
           <a:p>
+            <a:r>
+              <a:rPr lang="tr-TR" dirty="0"/>
+              <a:t>Sayfa hatası süresi = </a:t>
+            </a:r>
+            <a:r>
+              <a:rPr lang="tr-TR" dirty="0" smtClean="0"/>
+              <a:t>25ms (</a:t>
+            </a:r>
+            <a:r>
+              <a:rPr lang="tr-TR" dirty="0" err="1" smtClean="0"/>
+              <a:t>page</a:t>
+            </a:r>
+            <a:r>
+              <a:rPr lang="tr-TR" dirty="0" smtClean="0"/>
+              <a:t> </a:t>
+            </a:r>
+            <a:r>
+              <a:rPr lang="tr-TR" dirty="0" err="1" smtClean="0"/>
+              <a:t>fault</a:t>
+            </a:r>
+            <a:r>
+              <a:rPr lang="tr-TR" dirty="0" smtClean="0"/>
+              <a:t>)</a:t>
+            </a:r>
+          </a:p>
+          <a:p>
+            <a:r>
+              <a:rPr lang="tr-TR" dirty="0" smtClean="0"/>
+              <a:t>Bellek erişim süresi </a:t>
+            </a:r>
+            <a:r>
+              <a:rPr lang="tr-TR" dirty="0"/>
+              <a:t>= </a:t>
+            </a:r>
+            <a:r>
+              <a:rPr lang="tr-TR" dirty="0" smtClean="0"/>
+              <a:t>100ns (</a:t>
+            </a:r>
+            <a:r>
+              <a:rPr lang="tr-TR" dirty="0" err="1" smtClean="0"/>
+              <a:t>memory</a:t>
+            </a:r>
+            <a:r>
+              <a:rPr lang="tr-TR" dirty="0" smtClean="0"/>
+              <a:t> </a:t>
+            </a:r>
+            <a:r>
+              <a:rPr lang="tr-TR" dirty="0" err="1" smtClean="0"/>
+              <a:t>access</a:t>
+            </a:r>
+            <a:r>
+              <a:rPr lang="tr-TR" dirty="0" smtClean="0"/>
+              <a:t>)</a:t>
+            </a:r>
+          </a:p>
+          <a:p>
+            <a:r>
+              <a:rPr lang="tr-TR" dirty="0" smtClean="0"/>
+              <a:t>Sayfa kayıp </a:t>
+            </a:r>
+            <a:r>
+              <a:rPr lang="tr-TR" dirty="0"/>
+              <a:t>oranı </a:t>
+            </a:r>
+            <a:r>
+              <a:rPr lang="tr-TR" i="1" dirty="0"/>
+              <a:t>p</a:t>
+            </a:r>
+            <a:r>
+              <a:rPr lang="tr-TR" dirty="0"/>
+              <a:t> </a:t>
+            </a:r>
+            <a:r>
+              <a:rPr lang="tr-TR" dirty="0" smtClean="0"/>
+              <a:t>olsun: (</a:t>
+            </a:r>
+            <a:r>
+              <a:rPr lang="tr-TR" dirty="0" err="1" smtClean="0"/>
+              <a:t>miss</a:t>
+            </a:r>
+            <a:r>
+              <a:rPr lang="tr-TR" dirty="0" smtClean="0"/>
+              <a:t> rate)</a:t>
+            </a:r>
+          </a:p>
+          <a:p>
+            <a:r>
+              <a:rPr lang="tr-TR" dirty="0" smtClean="0"/>
+              <a:t>EAT </a:t>
+            </a:r>
+            <a:r>
+              <a:rPr lang="tr-TR" dirty="0"/>
+              <a:t>= 100(1-p</a:t>
+            </a:r>
+            <a:r>
+              <a:rPr lang="tr-TR" dirty="0" smtClean="0"/>
+              <a:t>) + 25*10</a:t>
+            </a:r>
+            <a:r>
+              <a:rPr lang="tr-TR" baseline="30000" dirty="0" smtClean="0"/>
+              <a:t>6</a:t>
+            </a:r>
+            <a:r>
+              <a:rPr lang="tr-TR" dirty="0"/>
+              <a:t>*</a:t>
+            </a:r>
+            <a:r>
+              <a:rPr lang="tr-TR" i="1" dirty="0" smtClean="0"/>
+              <a:t>p</a:t>
+            </a:r>
+            <a:r>
+              <a:rPr lang="tr-TR" dirty="0" smtClean="0"/>
+              <a:t> </a:t>
+            </a:r>
+            <a:r>
+              <a:rPr lang="tr-TR" dirty="0"/>
+              <a:t>= 100 + </a:t>
+            </a:r>
+            <a:r>
+              <a:rPr lang="tr-TR" dirty="0" smtClean="0"/>
+              <a:t>24.999.900*</a:t>
+            </a:r>
+            <a:r>
+              <a:rPr lang="tr-TR" i="1" dirty="0" smtClean="0"/>
+              <a:t>p</a:t>
+            </a:r>
+          </a:p>
+          <a:p>
+            <a:r>
+              <a:rPr lang="tr-TR" i="1" dirty="0"/>
+              <a:t>p</a:t>
+            </a:r>
+            <a:r>
+              <a:rPr lang="tr-TR" dirty="0" smtClean="0"/>
+              <a:t> = 1/1000 </a:t>
+            </a:r>
+            <a:r>
+              <a:rPr lang="tr-TR" dirty="0"/>
+              <a:t>ise, EAT =25.099,9 </a:t>
+            </a:r>
+            <a:r>
+              <a:rPr lang="tr-TR" dirty="0" err="1" smtClean="0"/>
+              <a:t>ns</a:t>
+            </a:r>
+            <a:endParaRPr lang="tr-TR" dirty="0" smtClean="0"/>
+          </a:p>
+          <a:p>
+            <a:r>
+              <a:rPr lang="tr-TR" dirty="0" smtClean="0"/>
+              <a:t>EAT &lt; 110ns olması gerekiyorsa</a:t>
+            </a:r>
+            <a:r>
+              <a:rPr lang="tr-TR" dirty="0"/>
+              <a:t>, o zaman </a:t>
+            </a:r>
+            <a:r>
+              <a:rPr lang="tr-TR" dirty="0" smtClean="0"/>
+              <a:t>100 + 24.999.900*p &lt; 110 yani </a:t>
+            </a:r>
+            <a:r>
+              <a:rPr lang="tr-TR" i="1" dirty="0"/>
+              <a:t>p</a:t>
+            </a:r>
+            <a:r>
+              <a:rPr lang="tr-TR" dirty="0"/>
+              <a:t> </a:t>
+            </a:r>
+            <a:r>
+              <a:rPr lang="tr-TR" dirty="0" smtClean="0"/>
+              <a:t>&lt; 10/24.999.900 &lt; 10/25.000.000 = 1/2.500.000 = 4×10</a:t>
+            </a:r>
+            <a:r>
+              <a:rPr lang="tr-TR" baseline="30000" dirty="0" smtClean="0"/>
+              <a:t>-7</a:t>
+            </a:r>
+          </a:p>
+          <a:p>
+            <a:r>
+              <a:rPr lang="tr-TR" dirty="0" smtClean="0"/>
+              <a:t>Sayfa </a:t>
+            </a:r>
+            <a:r>
+              <a:rPr lang="tr-TR" dirty="0"/>
+              <a:t>hatası </a:t>
+            </a:r>
+            <a:r>
+              <a:rPr lang="tr-TR" dirty="0" smtClean="0"/>
+              <a:t>oranı </a:t>
+            </a:r>
+            <a:r>
+              <a:rPr lang="tr-TR" i="1" dirty="0" smtClean="0"/>
+              <a:t>p</a:t>
+            </a:r>
+            <a:r>
+              <a:rPr lang="tr-TR" dirty="0"/>
+              <a:t>, 4×10</a:t>
+            </a:r>
+            <a:r>
+              <a:rPr lang="tr-TR" baseline="30000" dirty="0"/>
+              <a:t>-7</a:t>
+            </a:r>
+            <a:r>
+              <a:rPr lang="tr-TR" dirty="0"/>
+              <a:t>'den küçük olmalıdır</a:t>
+            </a:r>
             <a:endParaRPr lang="tr-TR" dirty="0"/>
           </a:p>
         </p:txBody>
@@ -9010,7 +9239,7 @@
           <a:p>
             <a:r>
               <a:rPr lang="tr-TR" dirty="0" smtClean="0"/>
-              <a:t>Sanal Bellek - Sayfalama</a:t>
+              <a:t>Sayfa Değişimi</a:t>
             </a:r>
             <a:endParaRPr lang="tr-TR" dirty="0"/>
           </a:p>
@@ -9031,6 +9260,64 @@
           <a:bodyPr/>
           <a:lstStyle/>
           <a:p>
+            <a:r>
+              <a:rPr lang="tr-TR" dirty="0"/>
+              <a:t>Bir sayfa hatası oluştuğunda, bazı sayfaların bellekten çıkarılması gerekir</a:t>
+            </a:r>
+            <a:r>
+              <a:rPr lang="tr-TR" dirty="0" smtClean="0"/>
+              <a:t>.</a:t>
+            </a:r>
+          </a:p>
+          <a:p>
+            <a:r>
+              <a:rPr lang="tr-TR" dirty="0" smtClean="0"/>
+              <a:t>Çıkarılacak </a:t>
+            </a:r>
+            <a:r>
+              <a:rPr lang="tr-TR" dirty="0"/>
+              <a:t>sayfa bellekteyken değiştirilmişse, diske geri yazılması gerekir</a:t>
+            </a:r>
+            <a:r>
+              <a:rPr lang="tr-TR" dirty="0" smtClean="0"/>
+              <a:t>.</a:t>
+            </a:r>
+          </a:p>
+          <a:p>
+            <a:r>
+              <a:rPr lang="tr-TR" dirty="0" smtClean="0"/>
+              <a:t>Çok </a:t>
+            </a:r>
+            <a:r>
+              <a:rPr lang="tr-TR" dirty="0"/>
+              <a:t>kullanılan bir sayfa taşınırsa büyük ihtimalle kısa </a:t>
+            </a:r>
+            <a:r>
+              <a:rPr lang="tr-TR" dirty="0" smtClean="0"/>
+              <a:t>süre sonra </a:t>
+            </a:r>
+            <a:r>
+              <a:rPr lang="tr-TR" dirty="0"/>
+              <a:t>geri getirilecektir</a:t>
+            </a:r>
+            <a:r>
+              <a:rPr lang="tr-TR" dirty="0" smtClean="0"/>
+              <a:t>.</a:t>
+            </a:r>
+          </a:p>
+          <a:p>
+            <a:r>
+              <a:rPr lang="tr-TR" dirty="0" smtClean="0"/>
+              <a:t>Değiştirilecek sayfa </a:t>
+            </a:r>
+            <a:r>
+              <a:rPr lang="tr-TR" dirty="0"/>
+              <a:t>nasıl </a:t>
+            </a:r>
+            <a:r>
+              <a:rPr lang="tr-TR" dirty="0" smtClean="0"/>
+              <a:t>seçilmeli?</a:t>
+            </a:r>
             <a:endParaRPr lang="tr-TR" dirty="0"/>
           </a:p>
         </p:txBody>
@@ -9089,7 +9376,7 @@
           <a:p>
             <a:r>
               <a:rPr lang="tr-TR" dirty="0" smtClean="0"/>
-              <a:t>Sanal Bellek - Sayfalama</a:t>
+              <a:t>Optimum Sayfa Değişimi</a:t>
             </a:r>
             <a:endParaRPr lang="tr-TR" dirty="0"/>
           </a:p>
@@ -9110,6 +9397,82 @@
           <a:bodyPr/>
           <a:lstStyle/>
           <a:p>
+            <a:r>
+              <a:rPr lang="tr-TR" dirty="0"/>
+              <a:t>Tarif etmesi kolay ama uygulaması </a:t>
+            </a:r>
+            <a:r>
+              <a:rPr lang="tr-TR" dirty="0" smtClean="0"/>
+              <a:t>imkansız</a:t>
+            </a:r>
+          </a:p>
+          <a:p>
+            <a:r>
+              <a:rPr lang="tr-TR" dirty="0" smtClean="0"/>
+              <a:t>Her </a:t>
+            </a:r>
+            <a:r>
+              <a:rPr lang="tr-TR" dirty="0"/>
+              <a:t>sayfa, o sayfaya ilk </a:t>
+            </a:r>
+            <a:r>
+              <a:rPr lang="tr-TR" dirty="0" smtClean="0"/>
+              <a:t>erişimden önce çalıştırılacak komutların sayısı </a:t>
+            </a:r>
+            <a:r>
+              <a:rPr lang="tr-TR" dirty="0"/>
+              <a:t>ile etiketlenir</a:t>
+            </a:r>
+            <a:r>
+              <a:rPr lang="tr-TR" dirty="0" smtClean="0"/>
+              <a:t>.</a:t>
+            </a:r>
+          </a:p>
+          <a:p>
+            <a:r>
+              <a:rPr lang="tr-TR" dirty="0" smtClean="0"/>
+              <a:t>İhtiyaç duyulduğunda en </a:t>
+            </a:r>
+            <a:r>
+              <a:rPr lang="tr-TR" dirty="0"/>
+              <a:t>yüksek etikete sahip sayfa </a:t>
+            </a:r>
+            <a:r>
+              <a:rPr lang="tr-TR" dirty="0" smtClean="0"/>
+              <a:t>kaldırılır</a:t>
+            </a:r>
+          </a:p>
+          <a:p>
+            <a:r>
+              <a:rPr lang="tr-TR" dirty="0" smtClean="0"/>
+              <a:t>İşletim </a:t>
+            </a:r>
+            <a:r>
+              <a:rPr lang="tr-TR" dirty="0"/>
+              <a:t>sistemi </a:t>
+            </a:r>
+            <a:r>
+              <a:rPr lang="tr-TR" dirty="0" smtClean="0"/>
+              <a:t>hangi sayfaya </a:t>
+            </a:r>
+            <a:r>
+              <a:rPr lang="tr-TR" dirty="0"/>
+              <a:t>ne zaman </a:t>
+            </a:r>
+            <a:r>
+              <a:rPr lang="tr-TR" dirty="0" smtClean="0"/>
+              <a:t>erişileceğini bilemez</a:t>
+            </a:r>
+          </a:p>
+          <a:p>
+            <a:r>
+              <a:rPr lang="tr-TR" dirty="0" smtClean="0"/>
+              <a:t>Ancak; gerçekleştirilebilir </a:t>
+            </a:r>
+            <a:r>
+              <a:rPr lang="tr-TR" dirty="0"/>
+              <a:t>algoritmaların performansını karşılaştırmak için kullanılabilir</a:t>
+            </a:r>
             <a:endParaRPr lang="tr-TR" dirty="0"/>
           </a:p>
         </p:txBody>
@@ -9167,8 +9530,8 @@
           <a:lstStyle/>
           <a:p>
             <a:r>
-              <a:rPr lang="tr-TR" dirty="0" smtClean="0"/>
-              <a:t>Sanal Bellek - Sayfalama</a:t>
+              <a:rPr lang="tr-TR" dirty="0"/>
+              <a:t>Optimum Sayfa Değişimi</a:t>
             </a:r>
             <a:endParaRPr lang="tr-TR" dirty="0"/>
           </a:p>
@@ -9189,10 +9552,238 @@
           <a:bodyPr/>
           <a:lstStyle/>
           <a:p>
+            <a:pPr marL="0" indent="0">
+              <a:buNone/>
+            </a:pPr>
+            <a:r>
+              <a:rPr lang="tr-TR" dirty="0"/>
+              <a:t>Sayfa hatası 9 kez, değiştirme 6 kez</a:t>
+            </a:r>
             <a:endParaRPr lang="tr-TR" dirty="0"/>
           </a:p>
         </p:txBody>
       </p:sp>
+      <p:grpSp>
+        <p:nvGrpSpPr>
+          <p:cNvPr id="4" name="Group 5"/>
+          <p:cNvGrpSpPr>
+            <a:grpSpLocks/>
+          </p:cNvGrpSpPr>
+          <p:nvPr/>
+        </p:nvGrpSpPr>
+        <p:grpSpPr bwMode="auto">
+          <a:xfrm>
+            <a:off x="1347652" y="2782888"/>
+            <a:ext cx="9496696" cy="2808015"/>
+            <a:chOff x="653" y="1337"/>
+            <a:chExt cx="4588" cy="1405"/>
+          </a:xfrm>
+        </p:grpSpPr>
+        <p:pic>
+          <p:nvPicPr>
+            <p:cNvPr id="5" name="Picture 6"/>
+            <p:cNvPicPr>
+              <a:picLocks noChangeAspect="1" noChangeArrowheads="1"/>
+            </p:cNvPicPr>
+            <p:nvPr/>
+          </p:nvPicPr>
+          <p:blipFill>
+            <a:blip r:embed="rId2">
+              <a:extLst>
+                <a:ext uri="{28A0092B-C50C-407E-A947-70E740481C1C}">
+                  <a14:useLocalDpi xmlns:a14="http://schemas.microsoft.com/office/drawing/2010/main" val="0"/>
+                </a:ext>
+              </a:extLst>
+            </a:blip>
+            <a:srcRect/>
+            <a:stretch>
+              <a:fillRect/>
+            </a:stretch>
+          </p:blipFill>
+          <p:spPr bwMode="auto">
+            <a:xfrm>
+              <a:off x="653" y="1337"/>
+              <a:ext cx="4588" cy="1405"/>
+            </a:xfrm>
+            <a:prstGeom prst="rect">
+              <a:avLst/>
+            </a:prstGeom>
+            <a:noFill/>
+            <a:ln>
+              <a:noFill/>
+            </a:ln>
+            <a:extLst>
+              <a:ext uri="{909E8E84-426E-40DD-AFC4-6F175D3DCCD1}">
+                <a14:hiddenFill xmlns:a14="http://schemas.microsoft.com/office/drawing/2010/main">
+                  <a:solidFill>
+                    <a:srgbClr val="FFFFFF"/>
+                  </a:solidFill>
+                </a14:hiddenFill>
+              </a:ext>
+              <a:ext uri="{91240B29-F687-4F45-9708-019B960494DF}">
+                <a14:hiddenLine xmlns:a14="http://schemas.microsoft.com/office/drawing/2010/main" w="9525">
+                  <a:solidFill>
+                    <a:srgbClr val="000000"/>
+                  </a:solidFill>
+                  <a:miter lim="800000"/>
+                  <a:headEnd/>
+                  <a:tailEnd/>
+                </a14:hiddenLine>
+              </a:ext>
+            </a:extLst>
+          </p:spPr>
+        </p:pic>
+        <p:sp>
+          <p:nvSpPr>
+            <p:cNvPr id="6" name="Rectangle 7"/>
+            <p:cNvSpPr>
+              <a:spLocks noChangeArrowheads="1"/>
+            </p:cNvSpPr>
+            <p:nvPr/>
+          </p:nvSpPr>
+          <p:spPr bwMode="auto">
+            <a:xfrm>
+              <a:off x="5080" y="2144"/>
+              <a:ext cx="160" cy="536"/>
+            </a:xfrm>
+            <a:prstGeom prst="rect">
+              <a:avLst/>
+            </a:prstGeom>
+            <a:solidFill>
+              <a:schemeClr val="bg1"/>
+            </a:solidFill>
+            <a:ln>
+              <a:noFill/>
+            </a:ln>
+            <a:extLst>
+              <a:ext uri="{91240B29-F687-4F45-9708-019B960494DF}">
+                <a14:hiddenLine xmlns:a14="http://schemas.microsoft.com/office/drawing/2010/main" w="9525">
+                  <a:solidFill>
+                    <a:srgbClr val="000000"/>
+                  </a:solidFill>
+                  <a:miter lim="800000"/>
+                  <a:headEnd/>
+                  <a:tailEnd/>
+                </a14:hiddenLine>
+              </a:ext>
+            </a:extLst>
+          </p:spPr>
+          <p:txBody>
+            <a:bodyPr wrap="none" anchor="ctr"/>
+            <a:lstStyle>
+              <a:lvl1pPr eaLnBrk="0" hangingPunct="0">
+                <a:defRPr sz="3200">
+                  <a:solidFill>
+                    <a:schemeClr val="tx1"/>
+                  </a:solidFill>
+                  <a:latin typeface="Times New Roman" panose="02020603050405020304" pitchFamily="18" charset="0"/>
+                  <a:ea typeface="宋体" panose="02010600030101010101" pitchFamily="2" charset="-122"/>
+                </a:defRPr>
+              </a:lvl1pPr>
+              <a:lvl2pPr marL="742950" indent="-285750" eaLnBrk="0" hangingPunct="0">
+                <a:defRPr sz="3200">
+                  <a:solidFill>
+                    <a:schemeClr val="tx1"/>
+                  </a:solidFill>
+                  <a:latin typeface="Times New Roman" panose="02020603050405020304" pitchFamily="18" charset="0"/>
+                  <a:ea typeface="宋体" panose="02010600030101010101" pitchFamily="2" charset="-122"/>
+                </a:defRPr>
+              </a:lvl2pPr>
+              <a:lvl3pPr marL="1143000" indent="-228600" eaLnBrk="0" hangingPunct="0">
+                <a:defRPr sz="3200">
+                  <a:solidFill>
+                    <a:schemeClr val="tx1"/>
+                  </a:solidFill>
+                  <a:latin typeface="Times New Roman" panose="02020603050405020304" pitchFamily="18" charset="0"/>
+                  <a:ea typeface="宋体" panose="02010600030101010101" pitchFamily="2" charset="-122"/>
+                </a:defRPr>
+              </a:lvl3pPr>
+              <a:lvl4pPr marL="1600200" indent="-228600" eaLnBrk="0" hangingPunct="0">
+                <a:defRPr sz="3200">
+                  <a:solidFill>
+                    <a:schemeClr val="tx1"/>
+                  </a:solidFill>
+                  <a:latin typeface="Times New Roman" panose="02020603050405020304" pitchFamily="18" charset="0"/>
+                  <a:ea typeface="宋体" panose="02010600030101010101" pitchFamily="2" charset="-122"/>
+                </a:defRPr>
+              </a:lvl4pPr>
+              <a:lvl5pPr marL="2057400" indent="-228600" eaLnBrk="0" hangingPunct="0">
+                <a:defRPr sz="3200">
+                  <a:solidFill>
+                    <a:schemeClr val="tx1"/>
+                  </a:solidFill>
+                  <a:latin typeface="Times New Roman" panose="02020603050405020304" pitchFamily="18" charset="0"/>
+                  <a:ea typeface="宋体" panose="02010600030101010101" pitchFamily="2" charset="-122"/>
+                </a:defRPr>
+              </a:lvl5pPr>
+              <a:lvl6pPr marL="2514600" indent="-228600" algn="ctr" eaLnBrk="0" fontAlgn="base" hangingPunct="0">
+                <a:spcBef>
+                  <a:spcPct val="0"/>
+                </a:spcBef>
+                <a:spcAft>
+                  <a:spcPct val="0"/>
+                </a:spcAft>
+                <a:defRPr sz="3200">
+                  <a:solidFill>
+                    <a:schemeClr val="tx1"/>
+                  </a:solidFill>
+                  <a:latin typeface="Times New Roman" panose="02020603050405020304" pitchFamily="18" charset="0"/>
+                  <a:ea typeface="宋体" panose="02010600030101010101" pitchFamily="2" charset="-122"/>
+                </a:defRPr>
+              </a:lvl6pPr>
+              <a:lvl7pPr marL="2971800" indent="-228600" algn="ctr" eaLnBrk="0" fontAlgn="base" hangingPunct="0">
+                <a:spcBef>
+                  <a:spcPct val="0"/>
+                </a:spcBef>
+                <a:spcAft>
+                  <a:spcPct val="0"/>
+                </a:spcAft>
+                <a:defRPr sz="3200">
+                  <a:solidFill>
+                    <a:schemeClr val="tx1"/>
+                  </a:solidFill>
+                  <a:latin typeface="Times New Roman" panose="02020603050405020304" pitchFamily="18" charset="0"/>
+                  <a:ea typeface="宋体" panose="02010600030101010101" pitchFamily="2" charset="-122"/>
+                </a:defRPr>
+              </a:lvl7pPr>
+              <a:lvl8pPr marL="3429000" indent="-228600" algn="ctr" eaLnBrk="0" fontAlgn="base" hangingPunct="0">
+                <a:spcBef>
+                  <a:spcPct val="0"/>
+                </a:spcBef>
+                <a:spcAft>
+                  <a:spcPct val="0"/>
+                </a:spcAft>
+                <a:defRPr sz="3200">
+                  <a:solidFill>
+                    <a:schemeClr val="tx1"/>
+                  </a:solidFill>
+                  <a:latin typeface="Times New Roman" panose="02020603050405020304" pitchFamily="18" charset="0"/>
+                  <a:ea typeface="宋体" panose="02010600030101010101" pitchFamily="2" charset="-122"/>
+                </a:defRPr>
+              </a:lvl8pPr>
+              <a:lvl9pPr marL="3886200" indent="-228600" algn="ctr" eaLnBrk="0" fontAlgn="base" hangingPunct="0">
+                <a:spcBef>
+                  <a:spcPct val="0"/>
+                </a:spcBef>
+                <a:spcAft>
+                  <a:spcPct val="0"/>
+                </a:spcAft>
+                <a:defRPr sz="3200">
+                  <a:solidFill>
+                    <a:schemeClr val="tx1"/>
+                  </a:solidFill>
+                  <a:latin typeface="Times New Roman" panose="02020603050405020304" pitchFamily="18" charset="0"/>
+                  <a:ea typeface="宋体" panose="02010600030101010101" pitchFamily="2" charset="-122"/>
+                </a:defRPr>
+              </a:lvl9pPr>
+            </a:lstStyle>
+            <a:p>
+              <a:pPr eaLnBrk="1" hangingPunct="1"/>
+              <a:endParaRPr lang="zh-CN" altLang="en-US"/>
+            </a:p>
+          </p:txBody>
+        </p:sp>
+      </p:grpSp>
     </p:spTree>
     <p:extLst>
       <p:ext uri="{BB962C8B-B14F-4D97-AF65-F5344CB8AC3E}">
@@ -9246,8 +9837,12 @@
           <a:lstStyle/>
           <a:p>
             <a:r>
-              <a:rPr lang="tr-TR" dirty="0" smtClean="0"/>
-              <a:t>Sanal Bellek - Sayfalama</a:t>
+              <a:rPr lang="tr-TR" dirty="0"/>
+              <a:t>Yakın </a:t>
+            </a:r>
+            <a:r>
+              <a:rPr lang="tr-TR" dirty="0" smtClean="0"/>
+              <a:t>Zamanda Kullanılmayan Sayfa Değişimi</a:t>
             </a:r>
             <a:endParaRPr lang="tr-TR" dirty="0"/>
           </a:p>
@@ -9268,6 +9863,136 @@
           <a:bodyPr/>
           <a:lstStyle/>
           <a:p>
+            <a:r>
+              <a:rPr lang="tr-TR" dirty="0" smtClean="0"/>
+              <a:t>Sayfaları </a:t>
+            </a:r>
+            <a:r>
+              <a:rPr lang="tr-TR" dirty="0"/>
+              <a:t>kullanımlarına göre </a:t>
+            </a:r>
+            <a:r>
+              <a:rPr lang="tr-TR" dirty="0" smtClean="0"/>
+              <a:t>değiştirme</a:t>
+            </a:r>
+          </a:p>
+          <a:p>
+            <a:r>
+              <a:rPr lang="tr-TR" dirty="0" smtClean="0"/>
+              <a:t>Sayfalarda </a:t>
+            </a:r>
+            <a:r>
+              <a:rPr lang="tr-TR" dirty="0"/>
+              <a:t>R ve M biti </a:t>
+            </a:r>
+            <a:r>
+              <a:rPr lang="tr-TR" dirty="0" smtClean="0"/>
+              <a:t>bulunur (</a:t>
+            </a:r>
+            <a:r>
+              <a:rPr lang="tr-TR" dirty="0" err="1" smtClean="0"/>
+              <a:t>referenced</a:t>
+            </a:r>
+            <a:r>
+              <a:rPr lang="tr-TR" dirty="0" smtClean="0"/>
+              <a:t>, </a:t>
+            </a:r>
+            <a:r>
+              <a:rPr lang="tr-TR" dirty="0" err="1" smtClean="0"/>
+              <a:t>modified</a:t>
+            </a:r>
+            <a:r>
+              <a:rPr lang="tr-TR" dirty="0" smtClean="0"/>
+              <a:t>)</a:t>
+            </a:r>
+          </a:p>
+          <a:p>
+            <a:r>
+              <a:rPr lang="tr-TR" dirty="0" smtClean="0"/>
+              <a:t>Bir </a:t>
+            </a:r>
+            <a:r>
+              <a:rPr lang="tr-TR" dirty="0"/>
+              <a:t>işlem başlatıldığında, her iki sayfa </a:t>
+            </a:r>
+            <a:r>
+              <a:rPr lang="tr-TR" dirty="0" smtClean="0"/>
+              <a:t>bitine de 0 atanır, </a:t>
+            </a:r>
+            <a:r>
+              <a:rPr lang="tr-TR" dirty="0"/>
+              <a:t>periyodik olarak, R biti </a:t>
+            </a:r>
+            <a:r>
+              <a:rPr lang="tr-TR" dirty="0" smtClean="0"/>
+              <a:t>temizlenir</a:t>
+            </a:r>
+          </a:p>
+          <a:p>
+            <a:r>
+              <a:rPr lang="tr-TR" dirty="0" smtClean="0"/>
+              <a:t>Dört farklı durum oluşabilir</a:t>
+            </a:r>
+          </a:p>
+          <a:p>
+            <a:pPr lvl="1"/>
+            <a:r>
+              <a:rPr lang="tr-TR" dirty="0" smtClean="0"/>
+              <a:t>Sınıf </a:t>
+            </a:r>
+            <a:r>
+              <a:rPr lang="tr-TR" dirty="0"/>
+              <a:t>0: </a:t>
+            </a:r>
+            <a:r>
+              <a:rPr lang="tr-TR" dirty="0" smtClean="0"/>
+              <a:t>erişilmedi, değiştirilmedi</a:t>
+            </a:r>
+          </a:p>
+          <a:p>
+            <a:pPr lvl="1"/>
+            <a:r>
+              <a:rPr lang="tr-TR" dirty="0" smtClean="0"/>
+              <a:t>Sınıf </a:t>
+            </a:r>
+            <a:r>
+              <a:rPr lang="tr-TR" dirty="0"/>
+              <a:t>1: </a:t>
+            </a:r>
+            <a:r>
+              <a:rPr lang="tr-TR" dirty="0" smtClean="0"/>
+              <a:t>erişilmedi, değiştirildi</a:t>
+            </a:r>
+          </a:p>
+          <a:p>
+            <a:pPr lvl="1"/>
+            <a:r>
+              <a:rPr lang="tr-TR" dirty="0" smtClean="0"/>
+              <a:t>Sınıf </a:t>
+            </a:r>
+            <a:r>
+              <a:rPr lang="tr-TR" dirty="0"/>
+              <a:t>2: </a:t>
+            </a:r>
+            <a:r>
+              <a:rPr lang="tr-TR" dirty="0" smtClean="0"/>
+              <a:t>erişildi, değiştirilmedi</a:t>
+            </a:r>
+          </a:p>
+          <a:p>
+            <a:pPr lvl="1"/>
+            <a:r>
+              <a:rPr lang="tr-TR" dirty="0" smtClean="0"/>
+              <a:t>Sınıf </a:t>
+            </a:r>
+            <a:r>
+              <a:rPr lang="tr-TR" dirty="0"/>
+              <a:t>3: </a:t>
+            </a:r>
+            <a:r>
+              <a:rPr lang="tr-TR" dirty="0" smtClean="0"/>
+              <a:t>erişildi, değiştirildi</a:t>
+            </a:r>
             <a:endParaRPr lang="tr-TR" dirty="0"/>
           </a:p>
         </p:txBody>
@@ -9325,8 +10050,12 @@
           <a:lstStyle/>
           <a:p>
             <a:r>
-              <a:rPr lang="tr-TR" dirty="0" smtClean="0"/>
-              <a:t>Sanal Bellek - Sayfalama</a:t>
+              <a:rPr lang="tr-TR" dirty="0"/>
+              <a:t>İlk Giren İlk </a:t>
+            </a:r>
+            <a:r>
+              <a:rPr lang="tr-TR" dirty="0" smtClean="0"/>
+              <a:t>Çıkar Sayfa Değişimi</a:t>
             </a:r>
             <a:endParaRPr lang="tr-TR" dirty="0"/>
           </a:p>
@@ -9347,10 +10076,58 @@
           <a:bodyPr/>
           <a:lstStyle/>
           <a:p>
+            <a:r>
+              <a:rPr lang="tr-TR" dirty="0"/>
+              <a:t>"En eski olanı" </a:t>
+            </a:r>
+            <a:r>
+              <a:rPr lang="tr-TR" dirty="0" smtClean="0"/>
+              <a:t>değiştir, Tatmin </a:t>
+            </a:r>
+            <a:r>
+              <a:rPr lang="tr-TR" dirty="0"/>
+              <a:t>edici olmayan </a:t>
+            </a:r>
+            <a:r>
+              <a:rPr lang="tr-TR" dirty="0" smtClean="0"/>
+              <a:t>performans ama basit, Sayfa </a:t>
+            </a:r>
+            <a:r>
+              <a:rPr lang="tr-TR" dirty="0"/>
+              <a:t>hatası 15, değiştirme </a:t>
+            </a:r>
+            <a:r>
+              <a:rPr lang="tr-TR" dirty="0" smtClean="0"/>
+              <a:t>sayısı 12</a:t>
+            </a:r>
             <a:endParaRPr lang="tr-TR" dirty="0"/>
           </a:p>
         </p:txBody>
       </p:sp>
+      <p:pic>
+        <p:nvPicPr>
+          <p:cNvPr id="5" name="Picture 4"/>
+          <p:cNvPicPr>
+            <a:picLocks noChangeAspect="1"/>
+          </p:cNvPicPr>
+          <p:nvPr/>
+        </p:nvPicPr>
+        <p:blipFill>
+          <a:blip r:embed="rId2"/>
+          <a:stretch>
+            <a:fillRect/>
+          </a:stretch>
+        </p:blipFill>
+        <p:spPr>
+          <a:xfrm>
+            <a:off x="1277462" y="2943361"/>
+            <a:ext cx="9637076" cy="2987177"/>
+          </a:xfrm>
+          <a:prstGeom prst="rect">
+            <a:avLst/>
+          </a:prstGeom>
+        </p:spPr>
+      </p:pic>
     </p:spTree>
     <p:extLst>
       <p:ext uri="{BB962C8B-B14F-4D97-AF65-F5344CB8AC3E}">
@@ -9405,7 +10182,7 @@
           <a:p>
             <a:r>
               <a:rPr lang="tr-TR" dirty="0" smtClean="0"/>
-              <a:t>Sanal Bellek - Sayfalama</a:t>
+              <a:t>İkinci Şans Sayfa Değişimi</a:t>
             </a:r>
             <a:endParaRPr lang="tr-TR" dirty="0"/>
           </a:p>
@@ -9426,6 +10203,82 @@
           <a:bodyPr/>
           <a:lstStyle/>
           <a:p>
+            <a:r>
+              <a:rPr lang="tr-TR" dirty="0"/>
+              <a:t>«İlk giren ilk çıkar» yöntemine basit bir değişiklik </a:t>
+            </a:r>
+            <a:r>
+              <a:rPr lang="tr-TR" dirty="0" smtClean="0"/>
+              <a:t>yapılarak çok </a:t>
+            </a:r>
+            <a:r>
+              <a:rPr lang="tr-TR" dirty="0"/>
+              <a:t>kullanılan bir sayfanın </a:t>
+            </a:r>
+            <a:r>
+              <a:rPr lang="tr-TR" dirty="0" smtClean="0"/>
+              <a:t>değiştirilmesi önlenmiştir</a:t>
+            </a:r>
+          </a:p>
+          <a:p>
+            <a:pPr lvl="1"/>
+            <a:r>
+              <a:rPr lang="tr-TR" dirty="0" smtClean="0"/>
+              <a:t>R biti incelenir</a:t>
+            </a:r>
+          </a:p>
+          <a:p>
+            <a:pPr lvl="1"/>
+            <a:r>
+              <a:rPr lang="tr-TR" dirty="0" smtClean="0"/>
+              <a:t>Eğer R değeri 0 </a:t>
+            </a:r>
+            <a:r>
+              <a:rPr lang="tr-TR" dirty="0"/>
+              <a:t>ise, sayfa eskidir ve </a:t>
+            </a:r>
+            <a:r>
+              <a:rPr lang="tr-TR" dirty="0" smtClean="0"/>
+              <a:t>kullanılmamıştır </a:t>
+            </a:r>
+          </a:p>
+          <a:p>
+            <a:pPr lvl="1"/>
+            <a:r>
+              <a:rPr lang="tr-TR" dirty="0" smtClean="0"/>
+              <a:t>Eğer R değeri 1 ise sayfaya ikinci </a:t>
+            </a:r>
+            <a:r>
+              <a:rPr lang="tr-TR" dirty="0"/>
+              <a:t>şansı </a:t>
+            </a:r>
+            <a:r>
+              <a:rPr lang="tr-TR" dirty="0" smtClean="0"/>
+              <a:t>ver</a:t>
+            </a:r>
+          </a:p>
+          <a:p>
+            <a:pPr lvl="1"/>
+            <a:r>
+              <a:rPr lang="tr-TR" dirty="0" smtClean="0"/>
+              <a:t>Eğer </a:t>
+            </a:r>
+            <a:r>
+              <a:rPr lang="tr-TR" dirty="0"/>
+              <a:t>t</a:t>
+            </a:r>
+            <a:r>
+              <a:rPr lang="tr-TR" dirty="0" smtClean="0"/>
+              <a:t>üm </a:t>
+            </a:r>
+            <a:r>
+              <a:rPr lang="tr-TR" dirty="0"/>
+              <a:t>sayfalara </a:t>
+            </a:r>
+            <a:r>
+              <a:rPr lang="tr-TR" dirty="0" smtClean="0"/>
+              <a:t>erişim olduysa, «İlk giren ilk çıkar» gibi çalışır</a:t>
+            </a:r>
             <a:endParaRPr lang="tr-TR" dirty="0"/>
           </a:p>
         </p:txBody>
@@ -9484,7 +10337,7 @@
           <a:p>
             <a:r>
               <a:rPr lang="tr-TR" dirty="0" smtClean="0"/>
-              <a:t>Sanal Bellek - Sayfalama</a:t>
+              <a:t>İkinci Şans Algoritması</a:t>
             </a:r>
             <a:endParaRPr lang="tr-TR" dirty="0"/>
           </a:p>
@@ -9505,10 +10358,79 @@
           <a:bodyPr/>
           <a:lstStyle/>
           <a:p>
+            <a:pPr marL="0" indent="0">
+              <a:buNone/>
+            </a:pPr>
+            <a:r>
+              <a:rPr lang="tr-TR" dirty="0"/>
+              <a:t>(a) FIFO sırasına göre sıralanmış sayfalar. (b) Zaman 20'de bir sayfa hatası oluşursa ve A'nın R biti </a:t>
+            </a:r>
+            <a:r>
+              <a:rPr lang="tr-TR" dirty="0" smtClean="0"/>
+              <a:t>1 ise sayfa </a:t>
+            </a:r>
+            <a:r>
+              <a:rPr lang="tr-TR" dirty="0"/>
+              <a:t>listesi. Sayfaların üzerindeki sayılar yükleme süreleridir.</a:t>
+            </a:r>
             <a:endParaRPr lang="tr-TR" dirty="0"/>
           </a:p>
         </p:txBody>
       </p:sp>
+      <p:pic>
+        <p:nvPicPr>
+          <p:cNvPr id="4" name="Picture 6" descr="03-15"/>
+          <p:cNvPicPr>
+            <a:picLocks noChangeAspect="1" noChangeArrowheads="1"/>
+          </p:cNvPicPr>
+          <p:nvPr/>
+        </p:nvPicPr>
+        <p:blipFill>
+          <a:blip r:embed="rId2">
+            <a:extLst>
+              <a:ext uri="{28A0092B-C50C-407E-A947-70E740481C1C}">
+                <a14:useLocalDpi xmlns:a14="http://schemas.microsoft.com/office/drawing/2010/main" val="0"/>
+              </a:ext>
+            </a:extLst>
+          </a:blip>
+          <a:srcRect/>
+          <a:stretch>
+            <a:fillRect/>
+          </a:stretch>
+        </p:blipFill>
+        <p:spPr bwMode="auto">
+          <a:xfrm>
+            <a:off x="2287587" y="3380151"/>
+            <a:ext cx="7616825" cy="2613025"/>
+          </a:xfrm>
+          <a:prstGeom prst="rect">
+            <a:avLst/>
+          </a:prstGeom>
+          <a:noFill/>
+          <a:ln>
+            <a:noFill/>
+          </a:ln>
+          <a:extLst>
+            <a:ext uri="{909E8E84-426E-40DD-AFC4-6F175D3DCCD1}">
+              <a14:hiddenFill xmlns:a14="http://schemas.microsoft.com/office/drawing/2010/main">
+                <a:solidFill>
+                  <a:srgbClr val="FFFFFF"/>
+                </a:solidFill>
+              </a14:hiddenFill>
+            </a:ext>
+            <a:ext uri="{91240B29-F687-4F45-9708-019B960494DF}">
+              <a14:hiddenLine xmlns:a14="http://schemas.microsoft.com/office/drawing/2010/main" w="9525">
+                <a:solidFill>
+                  <a:srgbClr val="000000"/>
+                </a:solidFill>
+                <a:miter lim="800000"/>
+                <a:headEnd/>
+                <a:tailEnd/>
+              </a14:hiddenLine>
+            </a:ext>
+          </a:extLst>
+        </p:spPr>
+      </p:pic>
     </p:spTree>
     <p:extLst>
       <p:ext uri="{BB962C8B-B14F-4D97-AF65-F5344CB8AC3E}">
@@ -9563,7 +10485,7 @@
           <a:p>
             <a:r>
               <a:rPr lang="tr-TR" dirty="0" smtClean="0"/>
-              <a:t>Sanal Bellek - Sayfalama</a:t>
+              <a:t>Saat Sayfa Değiştirme</a:t>
             </a:r>
             <a:endParaRPr lang="tr-TR" dirty="0"/>
           </a:p>
@@ -9584,6 +10506,54 @@
           <a:bodyPr/>
           <a:lstStyle/>
           <a:p>
+            <a:r>
+              <a:rPr lang="tr-TR" dirty="0" smtClean="0"/>
+              <a:t>İkinci </a:t>
+            </a:r>
+            <a:r>
+              <a:rPr lang="tr-TR" dirty="0"/>
+              <a:t>şans </a:t>
+            </a:r>
+            <a:r>
+              <a:rPr lang="tr-TR" dirty="0" smtClean="0"/>
+              <a:t>algoritması verimsizdir</a:t>
+            </a:r>
+          </a:p>
+          <a:p>
+            <a:pPr lvl="1"/>
+            <a:r>
+              <a:rPr lang="tr-TR" dirty="0" smtClean="0"/>
+              <a:t>Sayfaları </a:t>
+            </a:r>
+            <a:r>
+              <a:rPr lang="tr-TR" dirty="0"/>
+              <a:t>listesinde sürekli olarak hareket </a:t>
+            </a:r>
+            <a:r>
+              <a:rPr lang="tr-TR" dirty="0" smtClean="0"/>
+              <a:t>ettirir</a:t>
+            </a:r>
+          </a:p>
+          <a:p>
+            <a:r>
+              <a:rPr lang="tr-TR" dirty="0" smtClean="0"/>
+              <a:t>Alternatif</a:t>
+            </a:r>
+          </a:p>
+          <a:p>
+            <a:pPr lvl="1"/>
+            <a:r>
+              <a:rPr lang="tr-TR" dirty="0" smtClean="0"/>
+              <a:t>Tüm </a:t>
+            </a:r>
+            <a:r>
+              <a:rPr lang="tr-TR" dirty="0"/>
+              <a:t>sayfa çerçevelerini saat şeklinde dairesel bir listede </a:t>
+            </a:r>
+            <a:r>
+              <a:rPr lang="tr-TR" dirty="0" smtClean="0"/>
+              <a:t>tut</a:t>
+            </a:r>
             <a:endParaRPr lang="tr-TR" dirty="0"/>
           </a:p>
         </p:txBody>
@@ -9642,7 +10612,7 @@
           <a:p>
             <a:r>
               <a:rPr lang="tr-TR" dirty="0" smtClean="0"/>
-              <a:t>Sanal Bellek - Sayfalama</a:t>
+              <a:t>Saat Sayfa Değiştirme Algoritması</a:t>
             </a:r>
             <a:endParaRPr lang="tr-TR" dirty="0"/>
           </a:p>
@@ -9663,10 +10633,68 @@
           <a:bodyPr/>
           <a:lstStyle/>
           <a:p>
+            <a:r>
+              <a:rPr lang="tr-TR" dirty="0" smtClean="0"/>
+              <a:t>.</a:t>
+            </a:r>
             <a:endParaRPr lang="tr-TR" dirty="0"/>
           </a:p>
         </p:txBody>
       </p:sp>
+      <p:pic>
+        <p:nvPicPr>
+          <p:cNvPr id="4" name="Picture 6" descr="03-16"/>
+          <p:cNvPicPr>
+            <a:picLocks noChangeAspect="1" noChangeArrowheads="1"/>
+          </p:cNvPicPr>
+          <p:nvPr/>
+        </p:nvPicPr>
+        <p:blipFill>
+          <a:blip r:embed="rId2">
+            <a:extLst>
+              <a:ext uri="{28A0092B-C50C-407E-A947-70E740481C1C}">
+                <a14:useLocalDpi xmlns:a14="http://schemas.microsoft.com/office/drawing/2010/main" val="0"/>
+              </a:ext>
+            </a:extLst>
+          </a:blip>
+          <a:srcRect/>
+          <a:stretch>
+            <a:fillRect/>
+          </a:stretch>
+        </p:blipFill>
+        <p:spPr bwMode="auto">
+          <a:xfrm rot="10800000" flipH="1" flipV="1">
+            <a:off x="2551955" y="2158320"/>
+            <a:ext cx="7088089" cy="3685948"/>
+          </a:xfrm>
+          <a:prstGeom prst="rect">
+            <a:avLst/>
+          </a:prstGeom>
+          <a:noFill/>
+          <a:ln>
+            <a:noFill/>
+          </a:ln>
+          <a:extLst>
+            <a:ext uri="{909E8E84-426E-40DD-AFC4-6F175D3DCCD1}">
+              <a14:hiddenFill xmlns:a14="http://schemas.microsoft.com/office/drawing/2010/main">
+                <a:solidFill>
+                  <a:srgbClr val="FFFFFF"/>
+                </a:solidFill>
+              </a14:hiddenFill>
+            </a:ext>
+            <a:ext uri="{91240B29-F687-4F45-9708-019B960494DF}">
+              <a14:hiddenLine xmlns:a14="http://schemas.microsoft.com/office/drawing/2010/main" w="9525">
+                <a:solidFill>
+                  <a:srgbClr val="000000"/>
+                </a:solidFill>
+                <a:miter lim="800000"/>
+                <a:headEnd/>
+                <a:tailEnd/>
+              </a14:hiddenLine>
+            </a:ext>
+          </a:extLst>
+        </p:spPr>
+      </p:pic>
     </p:spTree>
     <p:extLst>
       <p:ext uri="{BB962C8B-B14F-4D97-AF65-F5344CB8AC3E}">
@@ -9721,7 +10749,7 @@
           <a:p>
             <a:r>
               <a:rPr lang="tr-TR" dirty="0" smtClean="0"/>
-              <a:t>Sanal Bellek - Sayfalama</a:t>
+              <a:t>En Son Kullanılan Sayfa Değiştirme</a:t>
             </a:r>
             <a:endParaRPr lang="tr-TR" dirty="0"/>
           </a:p>
@@ -9742,6 +10770,92 @@
           <a:bodyPr/>
           <a:lstStyle/>
           <a:p>
+            <a:r>
+              <a:rPr lang="tr-TR" dirty="0"/>
+              <a:t>Optimum algoritmaya </a:t>
+            </a:r>
+            <a:r>
+              <a:rPr lang="tr-TR" dirty="0" smtClean="0"/>
+              <a:t>yakın bir yaklaşım</a:t>
+            </a:r>
+          </a:p>
+          <a:p>
+            <a:pPr lvl="1"/>
+            <a:r>
+              <a:rPr lang="tr-TR" dirty="0" smtClean="0"/>
+              <a:t>Uzun zamandır </a:t>
+            </a:r>
+            <a:r>
+              <a:rPr lang="tr-TR" dirty="0"/>
+              <a:t>kullanılmayan sayfalar muhtemelen uzun süre </a:t>
+            </a:r>
+            <a:r>
+              <a:rPr lang="tr-TR" dirty="0" smtClean="0"/>
+              <a:t>daha kullanılmayacaktır</a:t>
+            </a:r>
+          </a:p>
+          <a:p>
+            <a:pPr lvl="1"/>
+            <a:r>
+              <a:rPr lang="tr-TR" dirty="0" smtClean="0"/>
+              <a:t>Bir </a:t>
+            </a:r>
+            <a:r>
+              <a:rPr lang="tr-TR" dirty="0"/>
+              <a:t>sayfa hatası oluştuğunda, en uzun süre kullanılmayan sayfayı </a:t>
+            </a:r>
+            <a:r>
+              <a:rPr lang="tr-TR" dirty="0" smtClean="0"/>
+              <a:t>at</a:t>
+            </a:r>
+          </a:p>
+          <a:p>
+            <a:r>
+              <a:rPr lang="tr-TR" dirty="0" err="1" smtClean="0"/>
+              <a:t>LRU'yu</a:t>
+            </a:r>
+            <a:r>
+              <a:rPr lang="tr-TR" dirty="0" smtClean="0"/>
+              <a:t> gerçeklemek için</a:t>
+            </a:r>
+          </a:p>
+          <a:p>
+            <a:pPr lvl="1"/>
+            <a:r>
+              <a:rPr lang="tr-TR" dirty="0" smtClean="0"/>
+              <a:t>Zamanı </a:t>
+            </a:r>
+            <a:r>
+              <a:rPr lang="tr-TR" dirty="0"/>
+              <a:t>kaydetmek </a:t>
+            </a:r>
+            <a:r>
+              <a:rPr lang="tr-TR" dirty="0" smtClean="0"/>
+              <a:t>için bellekteki </a:t>
+            </a:r>
+            <a:r>
+              <a:rPr lang="tr-TR" dirty="0"/>
+              <a:t>tüm </a:t>
+            </a:r>
+            <a:r>
+              <a:rPr lang="tr-TR" dirty="0" smtClean="0"/>
+              <a:t>sayfaları tutan bağlı liste kullan</a:t>
+            </a:r>
+          </a:p>
+          <a:p>
+            <a:pPr lvl="1"/>
+            <a:r>
+              <a:rPr lang="tr-TR" dirty="0" smtClean="0"/>
+              <a:t>Yada donanım </a:t>
+            </a:r>
+            <a:r>
+              <a:rPr lang="tr-TR" dirty="0"/>
+              <a:t>sayacı veya bir matris </a:t>
+            </a:r>
+            <a:r>
+              <a:rPr lang="tr-TR" dirty="0" smtClean="0"/>
+              <a:t>kullan</a:t>
+            </a:r>
             <a:endParaRPr lang="tr-TR" dirty="0"/>
           </a:p>
         </p:txBody>
@@ -9939,7 +11053,15 @@
           <a:p>
             <a:r>
               <a:rPr lang="tr-TR" dirty="0" smtClean="0"/>
-              <a:t>Sanal Bellek - Sayfalama</a:t>
+              <a:t>Son </a:t>
+            </a:r>
+            <a:r>
+              <a:rPr lang="tr-TR" dirty="0"/>
+              <a:t>Kullanılan Sayfa </a:t>
+            </a:r>
+            <a:r>
+              <a:rPr lang="tr-TR" dirty="0" smtClean="0"/>
+              <a:t>Değiştirme Algoritması</a:t>
             </a:r>
             <a:endParaRPr lang="tr-TR" dirty="0"/>
           </a:p>
@@ -9960,10 +11082,46 @@
           <a:bodyPr/>
           <a:lstStyle/>
           <a:p>
+            <a:r>
+              <a:rPr lang="tr-TR" dirty="0"/>
+              <a:t>Sayfa </a:t>
+            </a:r>
+            <a:r>
+              <a:rPr lang="tr-TR" dirty="0" smtClean="0"/>
+              <a:t>hata sayısı: 12, Sayfa değiştirme sayısı: </a:t>
+            </a:r>
+            <a:r>
+              <a:rPr lang="tr-TR" dirty="0"/>
+              <a:t>9</a:t>
+            </a:r>
             <a:endParaRPr lang="tr-TR" dirty="0"/>
           </a:p>
         </p:txBody>
       </p:sp>
+      <p:pic>
+        <p:nvPicPr>
+          <p:cNvPr id="4" name="Picture 3"/>
+          <p:cNvPicPr>
+            <a:picLocks noChangeAspect="1"/>
+          </p:cNvPicPr>
+          <p:nvPr/>
+        </p:nvPicPr>
+        <p:blipFill>
+          <a:blip r:embed="rId2"/>
+          <a:stretch>
+            <a:fillRect/>
+          </a:stretch>
+        </p:blipFill>
+        <p:spPr>
+          <a:xfrm>
+            <a:off x="1273570" y="2801165"/>
+            <a:ext cx="9644860" cy="2737485"/>
+          </a:xfrm>
+          <a:prstGeom prst="rect">
+            <a:avLst/>
+          </a:prstGeom>
+        </p:spPr>
+      </p:pic>
     </p:spTree>
     <p:extLst>
       <p:ext uri="{BB962C8B-B14F-4D97-AF65-F5344CB8AC3E}">
@@ -10017,8 +11175,12 @@
           <a:lstStyle/>
           <a:p>
             <a:r>
-              <a:rPr lang="tr-TR" dirty="0" smtClean="0"/>
-              <a:t>Sanal Bellek - Sayfalama</a:t>
+              <a:rPr lang="tr-TR" dirty="0"/>
+              <a:t>En Son </a:t>
+            </a:r>
+            <a:r>
+              <a:rPr lang="tr-TR" dirty="0" smtClean="0"/>
+              <a:t>Kullanılan Algoritma Gerçekleme</a:t>
             </a:r>
             <a:endParaRPr lang="tr-TR" dirty="0"/>
           </a:p>
@@ -10036,9 +11198,168 @@
         </p:nvSpPr>
         <p:spPr/>
         <p:txBody>
-          <a:bodyPr/>
-          <a:lstStyle/>
-          <a:p>
+          <a:bodyPr>
+            <a:normAutofit/>
+          </a:bodyPr>
+          <a:lstStyle/>
+          <a:p>
+            <a:r>
+              <a:rPr lang="tr-TR" dirty="0"/>
+              <a:t>Verimli bir şekilde </a:t>
+            </a:r>
+            <a:r>
+              <a:rPr lang="tr-TR" dirty="0" smtClean="0"/>
+              <a:t>gerçeklenmesi zor</a:t>
+            </a:r>
+          </a:p>
+          <a:p>
+            <a:r>
+              <a:rPr lang="tr-TR" dirty="0" smtClean="0"/>
+              <a:t>Sayfada </a:t>
+            </a:r>
+            <a:r>
+              <a:rPr lang="tr-TR" dirty="0"/>
+              <a:t>fazladan bir sayaç (kullanım süresi) alanı </a:t>
+            </a:r>
+            <a:r>
+              <a:rPr lang="tr-TR" dirty="0" smtClean="0"/>
+              <a:t>kullan</a:t>
+            </a:r>
+          </a:p>
+          <a:p>
+            <a:pPr lvl="1"/>
+            <a:r>
+              <a:rPr lang="tr-TR" dirty="0" smtClean="0"/>
+              <a:t>En </a:t>
+            </a:r>
+            <a:r>
+              <a:rPr lang="tr-TR" dirty="0"/>
+              <a:t>eski sayfayı </a:t>
+            </a:r>
+            <a:r>
+              <a:rPr lang="tr-TR" dirty="0" smtClean="0"/>
+              <a:t>değiştir</a:t>
+            </a:r>
+          </a:p>
+          <a:p>
+            <a:pPr lvl="1"/>
+            <a:r>
+              <a:rPr lang="tr-TR" dirty="0" smtClean="0"/>
+              <a:t>Sayaçlı </a:t>
+            </a:r>
+            <a:r>
+              <a:rPr lang="tr-TR" dirty="0"/>
+              <a:t>donanım </a:t>
+            </a:r>
+            <a:r>
+              <a:rPr lang="tr-TR" dirty="0" smtClean="0"/>
+              <a:t>gerektirir</a:t>
+            </a:r>
+          </a:p>
+          <a:p>
+            <a:pPr lvl="1"/>
+            <a:r>
+              <a:rPr lang="tr-TR" dirty="0" smtClean="0"/>
+              <a:t>Sayfa </a:t>
+            </a:r>
+            <a:r>
+              <a:rPr lang="tr-TR" dirty="0"/>
+              <a:t>hatasında, en düşük olanı bulmak için tüm sayaçları </a:t>
+            </a:r>
+            <a:r>
+              <a:rPr lang="tr-TR" dirty="0" smtClean="0"/>
+              <a:t>kontrol eder</a:t>
+            </a:r>
+          </a:p>
+          <a:p>
+            <a:r>
+              <a:rPr lang="tr-TR" dirty="0" smtClean="0"/>
+              <a:t>Bir yığında </a:t>
+            </a:r>
+            <a:r>
+              <a:rPr lang="tr-TR" dirty="0"/>
+              <a:t>sayfa </a:t>
+            </a:r>
+            <a:r>
+              <a:rPr lang="tr-TR" dirty="0" smtClean="0"/>
+              <a:t>numaralarını sakla (</a:t>
+            </a:r>
+            <a:r>
+              <a:rPr lang="tr-TR" dirty="0" err="1" smtClean="0"/>
+              <a:t>yazılımsal</a:t>
+            </a:r>
+            <a:r>
+              <a:rPr lang="tr-TR" dirty="0" smtClean="0"/>
+              <a:t>)</a:t>
+            </a:r>
+          </a:p>
+          <a:p>
+            <a:pPr lvl="1"/>
+            <a:r>
+              <a:rPr lang="tr-TR" dirty="0" smtClean="0"/>
+              <a:t>En alttaki </a:t>
+            </a:r>
+            <a:r>
+              <a:rPr lang="tr-TR" dirty="0"/>
+              <a:t>sayfayı </a:t>
+            </a:r>
+            <a:r>
+              <a:rPr lang="tr-TR" dirty="0" smtClean="0"/>
+              <a:t>değiştir</a:t>
+            </a:r>
+          </a:p>
+          <a:p>
+            <a:pPr lvl="1"/>
+            <a:r>
+              <a:rPr lang="tr-TR" dirty="0" smtClean="0"/>
+              <a:t>Yığının </a:t>
+            </a:r>
+            <a:r>
+              <a:rPr lang="tr-TR" dirty="0"/>
+              <a:t>boyutu, fiziksel çerçevelerin </a:t>
+            </a:r>
+            <a:r>
+              <a:rPr lang="tr-TR" dirty="0" smtClean="0"/>
+              <a:t>boyutu kadar</a:t>
+            </a:r>
+          </a:p>
+          <a:p>
+            <a:pPr lvl="1"/>
+            <a:r>
+              <a:rPr lang="tr-TR" dirty="0" smtClean="0"/>
+              <a:t>Eğer sayfa </a:t>
+            </a:r>
+            <a:r>
+              <a:rPr lang="tr-TR" dirty="0"/>
+              <a:t>yığının içindeyse </a:t>
+            </a:r>
+            <a:r>
+              <a:rPr lang="tr-TR" dirty="0" smtClean="0"/>
+              <a:t>çıkar </a:t>
+            </a:r>
+            <a:r>
+              <a:rPr lang="tr-TR" dirty="0"/>
+              <a:t>ve </a:t>
+            </a:r>
+            <a:r>
+              <a:rPr lang="tr-TR" dirty="0" smtClean="0"/>
+              <a:t>geri koy,</a:t>
+            </a:r>
+          </a:p>
+          <a:p>
+            <a:pPr lvl="1"/>
+            <a:r>
+              <a:rPr lang="tr-TR" dirty="0" smtClean="0"/>
+              <a:t>Değilse, yığına koy (</a:t>
+            </a:r>
+            <a:r>
+              <a:rPr lang="tr-TR" dirty="0" err="1" smtClean="0"/>
+              <a:t>push</a:t>
+            </a:r>
+            <a:r>
+              <a:rPr lang="tr-TR" dirty="0" smtClean="0"/>
+              <a:t>)</a:t>
+            </a:r>
             <a:endParaRPr lang="tr-TR" dirty="0"/>
           </a:p>
         </p:txBody>
@@ -10097,7 +11418,15 @@
           <a:p>
             <a:r>
               <a:rPr lang="tr-TR" dirty="0" smtClean="0"/>
-              <a:t>Sanal Bellek - Sayfalama</a:t>
+              <a:t>Yığın Kullanan En </a:t>
+            </a:r>
+            <a:r>
+              <a:rPr lang="tr-TR" dirty="0"/>
+              <a:t>Son </a:t>
+            </a:r>
+            <a:r>
+              <a:rPr lang="tr-TR" dirty="0" smtClean="0"/>
+              <a:t>Kullanılan Algoritması</a:t>
             </a:r>
             <a:endParaRPr lang="tr-TR" dirty="0"/>
           </a:p>
@@ -10118,10 +11447,46 @@
           <a:bodyPr/>
           <a:lstStyle/>
           <a:p>
+            <a:r>
+              <a:rPr lang="tr-TR" dirty="0" smtClean="0"/>
+              <a:t>.</a:t>
+            </a:r>
             <a:endParaRPr lang="tr-TR" dirty="0"/>
           </a:p>
         </p:txBody>
       </p:sp>
+      <p:pic>
+        <p:nvPicPr>
+          <p:cNvPr id="4" name="Picture 4"/>
+          <p:cNvPicPr>
+            <a:picLocks noChangeAspect="1" noChangeArrowheads="1"/>
+          </p:cNvPicPr>
+          <p:nvPr/>
+        </p:nvPicPr>
+        <p:blipFill>
+          <a:blip r:embed="rId2">
+            <a:extLst>
+              <a:ext uri="{28A0092B-C50C-407E-A947-70E740481C1C}">
+                <a14:useLocalDpi xmlns:a14="http://schemas.microsoft.com/office/drawing/2010/main" val="0"/>
+              </a:ext>
+            </a:extLst>
+          </a:blip>
+          <a:srcRect/>
+          <a:stretch>
+            <a:fillRect/>
+          </a:stretch>
+        </p:blipFill>
+        <p:spPr>
+          <a:xfrm>
+            <a:off x="2610644" y="2001044"/>
+            <a:ext cx="6970712" cy="4000500"/>
+          </a:xfrm>
+          <a:prstGeom prst="rect">
+            <a:avLst/>
+          </a:prstGeom>
+          <a:noFill/>
+        </p:spPr>
+      </p:pic>
     </p:spTree>
     <p:extLst>
       <p:ext uri="{BB962C8B-B14F-4D97-AF65-F5344CB8AC3E}">
@@ -10662,7 +12027,9 @@
         </p:nvSpPr>
         <p:spPr/>
         <p:txBody>
-          <a:bodyPr/>
+          <a:bodyPr>
+            <a:normAutofit/>
+          </a:bodyPr>
           <a:lstStyle/>
           <a:p>
             <a:r>
@@ -10843,7 +12210,9 @@
         </p:nvSpPr>
         <p:spPr/>
         <p:txBody>
-          <a:bodyPr/>
+          <a:bodyPr>
+            <a:normAutofit/>
+          </a:bodyPr>
           <a:lstStyle/>
           <a:p>
             <a:r>

--- a/files/os/3_Bolum_3_Bellek.pptx
+++ b/files/os/3_Bolum_3_Bellek.pptx
@@ -1317,9 +1317,9 @@
           <a:bodyPr/>
           <a:lstStyle>
             <a:lvl1pPr>
-              <a:defRPr b="1">
+              <a:defRPr b="1" baseline="0">
                 <a:solidFill>
-                  <a:srgbClr val="0070C0"/>
+                  <a:srgbClr val="C00000"/>
                 </a:solidFill>
               </a:defRPr>
             </a:lvl1pPr>
@@ -1347,12 +1347,41 @@
         <p:txBody>
           <a:bodyPr/>
           <a:lstStyle>
+            <a:lvl1pPr>
+              <a:defRPr baseline="0">
+                <a:solidFill>
+                  <a:srgbClr val="002060"/>
+                </a:solidFill>
+              </a:defRPr>
+            </a:lvl1pPr>
             <a:lvl2pPr>
-              <a:defRPr sz="2400"/>
+              <a:defRPr sz="2400" baseline="0">
+                <a:solidFill>
+                  <a:srgbClr val="002060"/>
+                </a:solidFill>
+              </a:defRPr>
             </a:lvl2pPr>
             <a:lvl3pPr>
-              <a:defRPr sz="2400"/>
+              <a:defRPr sz="2400" baseline="0">
+                <a:solidFill>
+                  <a:srgbClr val="002060"/>
+                </a:solidFill>
+              </a:defRPr>
             </a:lvl3pPr>
+            <a:lvl4pPr>
+              <a:defRPr baseline="0">
+                <a:solidFill>
+                  <a:srgbClr val="002060"/>
+                </a:solidFill>
+              </a:defRPr>
+            </a:lvl4pPr>
+            <a:lvl5pPr>
+              <a:defRPr baseline="0">
+                <a:solidFill>
+                  <a:srgbClr val="002060"/>
+                </a:solidFill>
+              </a:defRPr>
+            </a:lvl5pPr>
           </a:lstStyle>
           <a:p>
             <a:pPr lvl="0"/>
@@ -4489,7 +4518,6 @@
               <a:rPr lang="tr-TR" dirty="0"/>
               <a:t>sayfa tabloları konumu yansıtacak şekilde güncellenir, çerçeve normal durumda olarak işaretlenir.</a:t>
             </a:r>
-            <a:endParaRPr lang="tr-TR" dirty="0"/>
           </a:p>
         </p:txBody>
       </p:sp>
@@ -4734,7 +4762,6 @@
               <a:rPr lang="tr-TR" dirty="0"/>
               <a:t>etmek için kullanıcı alanına geri döner.</a:t>
             </a:r>
-            <a:endParaRPr lang="tr-TR" dirty="0"/>
           </a:p>
         </p:txBody>
       </p:sp>
@@ -5158,7 +5185,6 @@
               <a:rPr lang="tr-TR" dirty="0"/>
               <a:t>takdirde işletim sistemi bataklığın derinliklerindedir</a:t>
             </a:r>
-            <a:endParaRPr lang="tr-TR" dirty="0"/>
           </a:p>
         </p:txBody>
       </p:sp>
@@ -5361,7 +5387,6 @@
               <a:rPr lang="tr-TR" dirty="0"/>
               <a:t>: G/Ç'de devreye giren sayfaları kilitleyin</a:t>
             </a:r>
-            <a:endParaRPr lang="tr-TR" dirty="0"/>
           </a:p>
         </p:txBody>
       </p:sp>
@@ -6161,7 +6186,6 @@
               <a:rPr lang="tr-TR" dirty="0"/>
               <a:t>(a) Statik takas alanına sayfalama (b) Sayfaları dinamik olarak yedekleme.</a:t>
             </a:r>
-            <a:endParaRPr lang="tr-TR" dirty="0"/>
           </a:p>
         </p:txBody>
       </p:sp>
@@ -7269,7 +7293,6 @@
               <a:rPr lang="tr-TR" dirty="0"/>
               <a:t>içinde prosedür çağrıları için kullanılan yığın.</a:t>
             </a:r>
-            <a:endParaRPr lang="tr-TR" dirty="0"/>
           </a:p>
         </p:txBody>
       </p:sp>
@@ -7745,7 +7768,6 @@
               <a:rPr lang="tr-TR" dirty="0"/>
               <a:t>) sahip olabilir</a:t>
             </a:r>
-            <a:endParaRPr lang="tr-TR" dirty="0"/>
           </a:p>
         </p:txBody>
       </p:sp>
@@ -7887,7 +7909,6 @@
               <a:rPr lang="tr-TR" dirty="0"/>
               <a:t>)</a:t>
             </a:r>
-            <a:endParaRPr lang="tr-TR" dirty="0"/>
           </a:p>
         </p:txBody>
       </p:sp>
@@ -7910,7 +7931,6 @@
               <a:rPr lang="tr-TR" dirty="0"/>
               <a:t>bölümlere ayrılmış bellek</a:t>
             </a:r>
-            <a:endParaRPr lang="tr-TR" dirty="0"/>
           </a:p>
         </p:txBody>
       </p:sp>
@@ -9420,7 +9440,6 @@
               <a:rPr lang="tr-TR" dirty="0"/>
               <a:t>6600 ve Intel 8088'de kullanılır</a:t>
             </a:r>
-            <a:endParaRPr lang="tr-TR" dirty="0"/>
           </a:p>
         </p:txBody>
       </p:sp>
@@ -10579,7 +10598,6 @@
               <a:rPr lang="tr-TR" dirty="0"/>
               <a:t>getirmeyin!</a:t>
             </a:r>
-            <a:endParaRPr lang="tr-TR" dirty="0"/>
           </a:p>
         </p:txBody>
       </p:sp>
@@ -16853,7 +16871,6 @@
               <a:rPr lang="tr-TR" dirty="0"/>
               <a:t>kullanılan sayfaların önbelleğini tutar</a:t>
             </a:r>
-            <a:endParaRPr lang="tr-TR" dirty="0"/>
           </a:p>
         </p:txBody>
       </p:sp>
@@ -18183,11 +18200,7 @@
           <a:p>
             <a:r>
               <a:rPr lang="tr-TR" dirty="0" smtClean="0"/>
-              <a:t>Çoklu Seviye Sayfa </a:t>
-            </a:r>
-            <a:r>
-              <a:rPr lang="tr-TR" dirty="0" smtClean="0"/>
-              <a:t>Tablosunun Kullanımı</a:t>
+              <a:t>Çoklu Seviye Sayfa Tablosunun Kullanımı</a:t>
             </a:r>
             <a:endParaRPr lang="tr-TR" dirty="0"/>
           </a:p>
@@ -18254,7 +18267,6 @@
               <a:rPr lang="tr-TR" dirty="0"/>
               <a:t>1023 yığın için sayfalara işaret ediyor</a:t>
             </a:r>
-            <a:endParaRPr lang="tr-TR" dirty="0"/>
           </a:p>
         </p:txBody>
       </p:sp>
@@ -18382,11 +18394,7 @@
           <a:p>
             <a:r>
               <a:rPr lang="tr-TR" dirty="0" smtClean="0"/>
-              <a:t>Çoklu Seviye Sayfa </a:t>
-            </a:r>
-            <a:r>
-              <a:rPr lang="tr-TR" dirty="0" smtClean="0"/>
-              <a:t>Tablosunun Kullanımı</a:t>
+              <a:t>Çoklu Seviye Sayfa Tablosunun Kullanımı</a:t>
             </a:r>
             <a:endParaRPr lang="tr-TR" dirty="0"/>
           </a:p>
@@ -18467,7 +18475,6 @@
               <a:rPr lang="tr-TR" dirty="0"/>
               <a:t>bir çözüme ihtiyaç var</a:t>
             </a:r>
-            <a:endParaRPr lang="tr-TR" dirty="0"/>
           </a:p>
         </p:txBody>
       </p:sp>
@@ -18655,7 +18662,6 @@
               <a:rPr lang="tr-TR" dirty="0"/>
               <a:t>) ile ilişkili çerçeveyi bulma ihtiyacı</a:t>
             </a:r>
-            <a:endParaRPr lang="tr-TR" dirty="0"/>
           </a:p>
         </p:txBody>
       </p:sp>
@@ -20633,7 +20639,6 @@
               <a:rPr lang="tr-TR" dirty="0" smtClean="0"/>
               <a:t>seçilir</a:t>
             </a:r>
-            <a:endParaRPr lang="tr-TR" dirty="0" smtClean="0"/>
           </a:p>
           <a:p>
             <a:r>
@@ -20676,7 +20681,6 @@
               <a:rPr lang="tr-TR" dirty="0" smtClean="0"/>
               <a:t>)</a:t>
             </a:r>
-            <a:endParaRPr lang="tr-TR" dirty="0" smtClean="0"/>
           </a:p>
           <a:p>
             <a:r>
@@ -21220,17 +21224,12 @@
             </a:r>
             <a:r>
               <a:rPr lang="tr-TR" dirty="0"/>
-              <a:t>kullanımlarına göre </a:t>
-            </a:r>
-            <a:r>
-              <a:rPr lang="tr-TR" dirty="0"/>
-              <a:t>değiştirme, Çıkarmak için en düşük öncelikli sayfayı </a:t>
+              <a:t>kullanımlarına göre değiştirme, Çıkarmak için en düşük öncelikli sayfayı </a:t>
             </a:r>
             <a:r>
               <a:rPr lang="tr-TR" dirty="0" smtClean="0"/>
               <a:t>seç</a:t>
             </a:r>
-            <a:endParaRPr lang="tr-TR" dirty="0" smtClean="0"/>
           </a:p>
           <a:p>
             <a:r>
@@ -21760,7 +21759,6 @@
               <a:rPr lang="tr-TR" dirty="0"/>
               <a:t>ROM'da BIOS adı verilen bölüm</a:t>
             </a:r>
-            <a:endParaRPr lang="tr-TR" dirty="0"/>
           </a:p>
         </p:txBody>
       </p:sp>
@@ -21966,7 +21964,6 @@
               <a:rPr lang="tr-TR" dirty="0"/>
               <a:t>hiçbir kullanım bilgisi dahil değildir</a:t>
             </a:r>
-            <a:endParaRPr lang="tr-TR" dirty="0"/>
           </a:p>
         </p:txBody>
       </p:sp>
@@ -25857,7 +25854,6 @@
               <a:rPr lang="tr-TR" dirty="0" smtClean="0"/>
               <a:t>sayfa çıkarılır</a:t>
             </a:r>
-            <a:endParaRPr lang="tr-TR" dirty="0" smtClean="0"/>
           </a:p>
           <a:p>
             <a:r>
@@ -25878,11 +25874,7 @@
             </a:r>
             <a:r>
               <a:rPr lang="tr-TR" dirty="0" smtClean="0"/>
-              <a:t>yazmaç </a:t>
-            </a:r>
-            <a:r>
-              <a:rPr lang="tr-TR" dirty="0" smtClean="0"/>
-              <a:t>tutulur </a:t>
+              <a:t>yazmaç tutulur </a:t>
             </a:r>
             <a:r>
               <a:rPr lang="tr-TR" dirty="0"/>
@@ -25890,23 +25882,7 @@
             </a:r>
             <a:r>
               <a:rPr lang="tr-TR" dirty="0" smtClean="0"/>
-              <a:t>maliyetli olacak her erişimde </a:t>
-            </a:r>
-            <a:r>
-              <a:rPr lang="tr-TR" dirty="0" smtClean="0"/>
-              <a:t>değeri </a:t>
-            </a:r>
-            <a:r>
-              <a:rPr lang="tr-TR" dirty="0" smtClean="0"/>
-              <a:t>bir </a:t>
-            </a:r>
-            <a:r>
-              <a:rPr lang="tr-TR" dirty="0" smtClean="0"/>
-              <a:t>kaydırılır </a:t>
-            </a:r>
-            <a:r>
-              <a:rPr lang="tr-TR" dirty="0" smtClean="0"/>
-              <a:t>(</a:t>
+              <a:t>maliyetli olacak her erişimde değeri bir kaydırılır (</a:t>
             </a:r>
             <a:r>
               <a:rPr lang="tr-TR" dirty="0" err="1" smtClean="0"/>
@@ -25935,11 +25911,7 @@
             </a:r>
             <a:r>
               <a:rPr lang="tr-TR" dirty="0" smtClean="0"/>
-              <a:t>) </a:t>
-            </a:r>
-            <a:r>
-              <a:rPr lang="tr-TR" dirty="0" smtClean="0"/>
-              <a:t>kullan</a:t>
+              <a:t>) kullan</a:t>
             </a:r>
           </a:p>
           <a:p>
@@ -29374,7 +29346,6 @@
               <a:rPr lang="tr-TR" dirty="0"/>
               <a:t>kaba bir yaklaşım</a:t>
             </a:r>
-            <a:endParaRPr lang="tr-TR" dirty="0"/>
           </a:p>
         </p:txBody>
       </p:sp>
@@ -30266,7 +30237,6 @@
               <a:rPr lang="tr-TR" dirty="0"/>
               <a:t>Yazarken kopyala) çözümü, verileri salt okunur sayfalara eşlemektir. Yazma gerçekleşirse, her işlem kendi sayfasını alır.</a:t>
             </a:r>
-            <a:endParaRPr lang="tr-TR" dirty="0"/>
           </a:p>
         </p:txBody>
       </p:sp>
@@ -30515,7 +30485,6 @@
               <a:rPr lang="tr-TR" dirty="0"/>
               <a:t>programını diske yaz.</a:t>
             </a:r>
-            <a:endParaRPr lang="tr-TR" dirty="0"/>
           </a:p>
         </p:txBody>
       </p:sp>
@@ -30776,7 +30745,6 @@
               <a:rPr lang="tr-TR" dirty="0"/>
               <a:t>adresler.</a:t>
             </a:r>
-            <a:endParaRPr lang="tr-TR" dirty="0"/>
           </a:p>
         </p:txBody>
       </p:sp>
@@ -31616,7 +31584,6 @@
               <a:rPr lang="tr-TR" dirty="0"/>
               <a:t>Bellek Eşlemeli Dosyalar</a:t>
             </a:r>
-            <a:endParaRPr lang="tr-TR" dirty="0"/>
           </a:p>
         </p:txBody>
       </p:sp>
@@ -32171,7 +32138,6 @@
               <a:rPr lang="tr-TR" dirty="0"/>
               <a:t>paylaşılan bellek sayfası hata işleyicisi, sayfayı ihtiyacı olan makineye gönderen farklı makinedeki sayfayı bulur</a:t>
             </a:r>
-            <a:endParaRPr lang="tr-TR" dirty="0"/>
           </a:p>
         </p:txBody>
       </p:sp>
@@ -32382,7 +32348,6 @@
               <a:rPr lang="tr-TR" dirty="0"/>
               <a:t>yerleştirileceği yer</a:t>
             </a:r>
-            <a:endParaRPr lang="tr-TR" dirty="0"/>
           </a:p>
         </p:txBody>
       </p:sp>
